--- a/Notebooks/English/05 - Active Directory/02 - What are user accounts in Azure Active Directory - Learn  Microsoft Docs.pptx
+++ b/Notebooks/English/05 - Active Directory/02 - What are user accounts in Azure Active Directory - Learn  Microsoft Docs.pptx
@@ -1,20 +1,27 @@
 
 <file path=ppt/presentation.xml><?xml version="1.0" encoding="utf-8"?>
-<p:presentation xmlns:a="http://schemas.openxmlformats.org/drawingml/2006/main" xmlns:r="http://schemas.openxmlformats.org/officeDocument/2006/relationships" xmlns:p="http://schemas.openxmlformats.org/presentationml/2006/main" saveSubsetFonts="1" autoCompressPictures="0">
+<p:presentation xmlns:a="http://schemas.openxmlformats.org/drawingml/2006/main" xmlns:p="http://schemas.openxmlformats.org/presentationml/2006/main" xmlns:r="http://schemas.openxmlformats.org/officeDocument/2006/relationships" autoCompressPictures="0" saveSubsetFonts="1">
   <p:sldMasterIdLst>
     <p:sldMasterId id="2147483648" r:id="rId1"/>
   </p:sldMasterIdLst>
   <p:sldIdLst>
-    <p:sldId id="256" r:id="rId7"/>
+    <p:sldId id="256" r:id="rId2"/>
+    <p:sldId id="257" r:id="rId3"/>
+    <p:sldId id="258" r:id="rId4"/>
+    <p:sldId id="259" r:id="rId5"/>
+    <p:sldId id="260" r:id="rId6"/>
+    <p:sldId id="261" r:id="rId7"/>
+    <p:sldId id="262" r:id="rId8"/>
+    <p:sldId id="263" r:id="rId9"/>
   </p:sldIdLst>
-  <p:sldSz cx="9144000" cy="6858000" type="screen4x3"/>
+  <p:sldSz cx="9144000" cy="5143500" type="screen16x9"/>
   <p:notesSz cx="6858000" cy="9144000"/>
   <p:defaultTextStyle>
     <a:defPPr>
       <a:defRPr lang="en-US"/>
     </a:defPPr>
-    <a:lvl1pPr marL="0" algn="l" defTabSz="457200" rtl="0" eaLnBrk="1" latinLnBrk="0" hangingPunct="1">
-      <a:defRPr sz="1800" kern="1200">
+    <a:lvl1pPr algn="l" defTabSz="457200" eaLnBrk="1" hangingPunct="1" latinLnBrk="0" marL="0" rtl="0">
+      <a:defRPr kern="1200" sz="1800">
         <a:solidFill>
           <a:schemeClr val="tx1"/>
         </a:solidFill>
@@ -23,8 +30,8 @@
         <a:cs typeface="+mn-cs"/>
       </a:defRPr>
     </a:lvl1pPr>
-    <a:lvl2pPr marL="457200" algn="l" defTabSz="457200" rtl="0" eaLnBrk="1" latinLnBrk="0" hangingPunct="1">
-      <a:defRPr sz="1800" kern="1200">
+    <a:lvl2pPr algn="l" defTabSz="457200" eaLnBrk="1" hangingPunct="1" latinLnBrk="0" marL="457200" rtl="0">
+      <a:defRPr kern="1200" sz="1800">
         <a:solidFill>
           <a:schemeClr val="tx1"/>
         </a:solidFill>
@@ -33,8 +40,8 @@
         <a:cs typeface="+mn-cs"/>
       </a:defRPr>
     </a:lvl2pPr>
-    <a:lvl3pPr marL="914400" algn="l" defTabSz="457200" rtl="0" eaLnBrk="1" latinLnBrk="0" hangingPunct="1">
-      <a:defRPr sz="1800" kern="1200">
+    <a:lvl3pPr algn="l" defTabSz="457200" eaLnBrk="1" hangingPunct="1" latinLnBrk="0" marL="914400" rtl="0">
+      <a:defRPr kern="1200" sz="1800">
         <a:solidFill>
           <a:schemeClr val="tx1"/>
         </a:solidFill>
@@ -43,8 +50,8 @@
         <a:cs typeface="+mn-cs"/>
       </a:defRPr>
     </a:lvl3pPr>
-    <a:lvl4pPr marL="1371600" algn="l" defTabSz="457200" rtl="0" eaLnBrk="1" latinLnBrk="0" hangingPunct="1">
-      <a:defRPr sz="1800" kern="1200">
+    <a:lvl4pPr algn="l" defTabSz="457200" eaLnBrk="1" hangingPunct="1" latinLnBrk="0" marL="1371600" rtl="0">
+      <a:defRPr kern="1200" sz="1800">
         <a:solidFill>
           <a:schemeClr val="tx1"/>
         </a:solidFill>
@@ -53,8 +60,8 @@
         <a:cs typeface="+mn-cs"/>
       </a:defRPr>
     </a:lvl4pPr>
-    <a:lvl5pPr marL="1828800" algn="l" defTabSz="457200" rtl="0" eaLnBrk="1" latinLnBrk="0" hangingPunct="1">
-      <a:defRPr sz="1800" kern="1200">
+    <a:lvl5pPr algn="l" defTabSz="457200" eaLnBrk="1" hangingPunct="1" latinLnBrk="0" marL="1828800" rtl="0">
+      <a:defRPr kern="1200" sz="1800">
         <a:solidFill>
           <a:schemeClr val="tx1"/>
         </a:solidFill>
@@ -63,8 +70,8 @@
         <a:cs typeface="+mn-cs"/>
       </a:defRPr>
     </a:lvl5pPr>
-    <a:lvl6pPr marL="2286000" algn="l" defTabSz="457200" rtl="0" eaLnBrk="1" latinLnBrk="0" hangingPunct="1">
-      <a:defRPr sz="1800" kern="1200">
+    <a:lvl6pPr algn="l" defTabSz="457200" eaLnBrk="1" hangingPunct="1" latinLnBrk="0" marL="2286000" rtl="0">
+      <a:defRPr kern="1200" sz="1800">
         <a:solidFill>
           <a:schemeClr val="tx1"/>
         </a:solidFill>
@@ -73,8 +80,8 @@
         <a:cs typeface="+mn-cs"/>
       </a:defRPr>
     </a:lvl6pPr>
-    <a:lvl7pPr marL="2743200" algn="l" defTabSz="457200" rtl="0" eaLnBrk="1" latinLnBrk="0" hangingPunct="1">
-      <a:defRPr sz="1800" kern="1200">
+    <a:lvl7pPr algn="l" defTabSz="457200" eaLnBrk="1" hangingPunct="1" latinLnBrk="0" marL="2743200" rtl="0">
+      <a:defRPr kern="1200" sz="1800">
         <a:solidFill>
           <a:schemeClr val="tx1"/>
         </a:solidFill>
@@ -83,8 +90,8 @@
         <a:cs typeface="+mn-cs"/>
       </a:defRPr>
     </a:lvl7pPr>
-    <a:lvl8pPr marL="3200400" algn="l" defTabSz="457200" rtl="0" eaLnBrk="1" latinLnBrk="0" hangingPunct="1">
-      <a:defRPr sz="1800" kern="1200">
+    <a:lvl8pPr algn="l" defTabSz="457200" eaLnBrk="1" hangingPunct="1" latinLnBrk="0" marL="3200400" rtl="0">
+      <a:defRPr kern="1200" sz="1800">
         <a:solidFill>
           <a:schemeClr val="tx1"/>
         </a:solidFill>
@@ -93,8 +100,8 @@
         <a:cs typeface="+mn-cs"/>
       </a:defRPr>
     </a:lvl8pPr>
-    <a:lvl9pPr marL="3657600" algn="l" defTabSz="457200" rtl="0" eaLnBrk="1" latinLnBrk="0" hangingPunct="1">
-      <a:defRPr sz="1800" kern="1200">
+    <a:lvl9pPr algn="l" defTabSz="457200" eaLnBrk="1" hangingPunct="1" latinLnBrk="0" marL="3657600" rtl="0">
+      <a:defRPr kern="1200" sz="1800">
         <a:solidFill>
           <a:schemeClr val="tx1"/>
         </a:solidFill>
@@ -104,6 +111,22 @@
       </a:defRPr>
     </a:lvl9pPr>
   </p:defaultTextStyle>
+  <p:extLst>
+    <p:ext uri="{EFAFB233-063F-42B5-8137-9DF3F51BA10A}">
+      <p15:sldGuideLst xmlns:p15="http://schemas.microsoft.com/office/powerpoint/2012/main">
+        <p15:guide id="1" orient="horz" pos="1620" userDrawn="1">
+          <p15:clr>
+            <a:srgbClr val="A4A3A4"/>
+          </p15:clr>
+        </p15:guide>
+        <p15:guide id="2" pos="2880" userDrawn="1">
+          <p15:clr>
+            <a:srgbClr val="A4A3A4"/>
+          </p15:clr>
+        </p15:guide>
+      </p15:sldGuideLst>
+    </p:ext>
+  </p:extLst>
 </p:presentation>
 </file>
 
@@ -136,8 +159,8 @@
         </p:nvSpPr>
         <p:spPr>
           <a:xfrm>
-            <a:off x="685800" y="2130425"/>
-            <a:ext cx="7772400" cy="1470025"/>
+            <a:off x="685800" y="1597819"/>
+            <a:ext cx="7772400" cy="1102519"/>
           </a:xfrm>
         </p:spPr>
         <p:txBody>
@@ -145,10 +168,9 @@
           <a:lstStyle/>
           <a:p>
             <a:r>
-              <a:rPr lang="en-US" smtClean="0"/>
+              <a:rPr lang="en-US"/>
               <a:t>Click to edit Master title style</a:t>
             </a:r>
-            <a:endParaRPr lang="en-US"/>
           </a:p>
         </p:txBody>
       </p:sp>
@@ -164,8 +186,8 @@
         </p:nvSpPr>
         <p:spPr>
           <a:xfrm>
-            <a:off x="1371600" y="3886200"/>
-            <a:ext cx="6400800" cy="1752600"/>
+            <a:off x="1371600" y="2914650"/>
+            <a:ext cx="6400800" cy="1314450"/>
           </a:xfrm>
         </p:spPr>
         <p:txBody>
@@ -181,7 +203,7 @@
                 </a:solidFill>
               </a:defRPr>
             </a:lvl1pPr>
-            <a:lvl2pPr marL="457200" indent="0" algn="ctr">
+            <a:lvl2pPr marL="342900" indent="0" algn="ctr">
               <a:buNone/>
               <a:defRPr>
                 <a:solidFill>
@@ -191,7 +213,7 @@
                 </a:solidFill>
               </a:defRPr>
             </a:lvl2pPr>
-            <a:lvl3pPr marL="914400" indent="0" algn="ctr">
+            <a:lvl3pPr marL="685800" indent="0" algn="ctr">
               <a:buNone/>
               <a:defRPr>
                 <a:solidFill>
@@ -201,7 +223,7 @@
                 </a:solidFill>
               </a:defRPr>
             </a:lvl3pPr>
-            <a:lvl4pPr marL="1371600" indent="0" algn="ctr">
+            <a:lvl4pPr marL="1028700" indent="0" algn="ctr">
               <a:buNone/>
               <a:defRPr>
                 <a:solidFill>
@@ -211,7 +233,7 @@
                 </a:solidFill>
               </a:defRPr>
             </a:lvl4pPr>
-            <a:lvl5pPr marL="1828800" indent="0" algn="ctr">
+            <a:lvl5pPr marL="1371600" indent="0" algn="ctr">
               <a:buNone/>
               <a:defRPr>
                 <a:solidFill>
@@ -221,7 +243,7 @@
                 </a:solidFill>
               </a:defRPr>
             </a:lvl5pPr>
-            <a:lvl6pPr marL="2286000" indent="0" algn="ctr">
+            <a:lvl6pPr marL="1714500" indent="0" algn="ctr">
               <a:buNone/>
               <a:defRPr>
                 <a:solidFill>
@@ -231,7 +253,7 @@
                 </a:solidFill>
               </a:defRPr>
             </a:lvl6pPr>
-            <a:lvl7pPr marL="2743200" indent="0" algn="ctr">
+            <a:lvl7pPr marL="2057400" indent="0" algn="ctr">
               <a:buNone/>
               <a:defRPr>
                 <a:solidFill>
@@ -241,7 +263,7 @@
                 </a:solidFill>
               </a:defRPr>
             </a:lvl7pPr>
-            <a:lvl8pPr marL="3200400" indent="0" algn="ctr">
+            <a:lvl8pPr marL="2400300" indent="0" algn="ctr">
               <a:buNone/>
               <a:defRPr>
                 <a:solidFill>
@@ -251,7 +273,7 @@
                 </a:solidFill>
               </a:defRPr>
             </a:lvl8pPr>
-            <a:lvl9pPr marL="3657600" indent="0" algn="ctr">
+            <a:lvl9pPr marL="2743200" indent="0" algn="ctr">
               <a:buNone/>
               <a:defRPr>
                 <a:solidFill>
@@ -264,31 +286,30 @@
           </a:lstStyle>
           <a:p>
             <a:r>
+              <a:rPr lang="en-US"/>
+              <a:t>Click to edit Master subtitle style</a:t>
+            </a:r>
+          </a:p>
+        </p:txBody>
+      </p:sp>
+      <p:sp>
+        <p:nvSpPr>
+          <p:cNvPr id="4" name="Date Placeholder 3"/>
+          <p:cNvSpPr>
+            <a:spLocks noGrp="1"/>
+          </p:cNvSpPr>
+          <p:nvPr>
+            <p:ph type="dt" sz="half" idx="10"/>
+          </p:nvPr>
+        </p:nvSpPr>
+        <p:spPr/>
+        <p:txBody>
+          <a:bodyPr/>
+          <a:lstStyle/>
+          <a:p>
+            <a:fld id="{241EB5C9-1307-BA42-ABA2-0BC069CD8E7F}" type="datetimeFigureOut">
               <a:rPr lang="en-US" smtClean="0"/>
-              <a:t>Click to edit Master subtitle style</a:t>
-            </a:r>
-            <a:endParaRPr lang="en-US"/>
-          </a:p>
-        </p:txBody>
-      </p:sp>
-      <p:sp>
-        <p:nvSpPr>
-          <p:cNvPr id="4" name="Date Placeholder 3"/>
-          <p:cNvSpPr>
-            <a:spLocks noGrp="1"/>
-          </p:cNvSpPr>
-          <p:nvPr>
-            <p:ph type="dt" sz="half" idx="10"/>
-          </p:nvPr>
-        </p:nvSpPr>
-        <p:spPr/>
-        <p:txBody>
-          <a:bodyPr/>
-          <a:lstStyle/>
-          <a:p>
-            <a:fld id="{5BCAD085-E8A6-8845-BD4E-CB4CCA059FC4}" type="datetimeFigureOut">
-              <a:rPr lang="en-US" smtClean="0"/>
-              <a:t>1/27/13</a:t>
+              <a:t>1/2/22</a:t>
             </a:fld>
             <a:endParaRPr lang="en-US"/>
           </a:p>
@@ -328,7 +349,7 @@
           <a:bodyPr/>
           <a:lstStyle/>
           <a:p>
-            <a:fld id="{C1FF6DA9-008F-8B48-92A6-B652298478BF}" type="slidenum">
+            <a:fld id="{C5EF2332-01BF-834F-8236-50238282D533}" type="slidenum">
               <a:rPr lang="en-US" smtClean="0"/>
               <a:t>‹#›</a:t>
             </a:fld>
@@ -339,7 +360,7 @@
     </p:spTree>
     <p:extLst>
       <p:ext uri="{BB962C8B-B14F-4D97-AF65-F5344CB8AC3E}">
-        <p14:creationId xmlns:p14="http://schemas.microsoft.com/office/powerpoint/2010/main" val="3168075583"/>
+        <p14:creationId xmlns:p14="http://schemas.microsoft.com/office/powerpoint/2010/main" val="1444357513"/>
       </p:ext>
     </p:extLst>
   </p:cSld>
@@ -382,83 +403,81 @@
           <a:lstStyle/>
           <a:p>
             <a:r>
+              <a:rPr lang="en-US"/>
+              <a:t>Click to edit Master title style</a:t>
+            </a:r>
+          </a:p>
+        </p:txBody>
+      </p:sp>
+      <p:sp>
+        <p:nvSpPr>
+          <p:cNvPr id="3" name="Vertical Text Placeholder 2"/>
+          <p:cNvSpPr>
+            <a:spLocks noGrp="1"/>
+          </p:cNvSpPr>
+          <p:nvPr>
+            <p:ph type="body" orient="vert" idx="1"/>
+          </p:nvPr>
+        </p:nvSpPr>
+        <p:spPr/>
+        <p:txBody>
+          <a:bodyPr vert="eaVert"/>
+          <a:lstStyle/>
+          <a:p>
+            <a:pPr lvl="0"/>
+            <a:r>
+              <a:rPr lang="en-US"/>
+              <a:t>Click to edit Master text styles</a:t>
+            </a:r>
+          </a:p>
+          <a:p>
+            <a:pPr lvl="1"/>
+            <a:r>
+              <a:rPr lang="en-US"/>
+              <a:t>Second level</a:t>
+            </a:r>
+          </a:p>
+          <a:p>
+            <a:pPr lvl="2"/>
+            <a:r>
+              <a:rPr lang="en-US"/>
+              <a:t>Third level</a:t>
+            </a:r>
+          </a:p>
+          <a:p>
+            <a:pPr lvl="3"/>
+            <a:r>
+              <a:rPr lang="en-US"/>
+              <a:t>Fourth level</a:t>
+            </a:r>
+          </a:p>
+          <a:p>
+            <a:pPr lvl="4"/>
+            <a:r>
+              <a:rPr lang="en-US"/>
+              <a:t>Fifth level</a:t>
+            </a:r>
+          </a:p>
+        </p:txBody>
+      </p:sp>
+      <p:sp>
+        <p:nvSpPr>
+          <p:cNvPr id="4" name="Date Placeholder 3"/>
+          <p:cNvSpPr>
+            <a:spLocks noGrp="1"/>
+          </p:cNvSpPr>
+          <p:nvPr>
+            <p:ph type="dt" sz="half" idx="10"/>
+          </p:nvPr>
+        </p:nvSpPr>
+        <p:spPr/>
+        <p:txBody>
+          <a:bodyPr/>
+          <a:lstStyle/>
+          <a:p>
+            <a:fld id="{241EB5C9-1307-BA42-ABA2-0BC069CD8E7F}" type="datetimeFigureOut">
               <a:rPr lang="en-US" smtClean="0"/>
-              <a:t>Click to edit Master title style</a:t>
-            </a:r>
-            <a:endParaRPr lang="en-US"/>
-          </a:p>
-        </p:txBody>
-      </p:sp>
-      <p:sp>
-        <p:nvSpPr>
-          <p:cNvPr id="3" name="Vertical Text Placeholder 2"/>
-          <p:cNvSpPr>
-            <a:spLocks noGrp="1"/>
-          </p:cNvSpPr>
-          <p:nvPr>
-            <p:ph type="body" orient="vert" idx="1"/>
-          </p:nvPr>
-        </p:nvSpPr>
-        <p:spPr/>
-        <p:txBody>
-          <a:bodyPr vert="eaVert"/>
-          <a:lstStyle/>
-          <a:p>
-            <a:pPr lvl="0"/>
-            <a:r>
-              <a:rPr lang="en-US" smtClean="0"/>
-              <a:t>Click to edit Master text styles</a:t>
-            </a:r>
-          </a:p>
-          <a:p>
-            <a:pPr lvl="1"/>
-            <a:r>
-              <a:rPr lang="en-US" smtClean="0"/>
-              <a:t>Second level</a:t>
-            </a:r>
-          </a:p>
-          <a:p>
-            <a:pPr lvl="2"/>
-            <a:r>
-              <a:rPr lang="en-US" smtClean="0"/>
-              <a:t>Third level</a:t>
-            </a:r>
-          </a:p>
-          <a:p>
-            <a:pPr lvl="3"/>
-            <a:r>
-              <a:rPr lang="en-US" smtClean="0"/>
-              <a:t>Fourth level</a:t>
-            </a:r>
-          </a:p>
-          <a:p>
-            <a:pPr lvl="4"/>
-            <a:r>
-              <a:rPr lang="en-US" smtClean="0"/>
-              <a:t>Fifth level</a:t>
-            </a:r>
-            <a:endParaRPr lang="en-US"/>
-          </a:p>
-        </p:txBody>
-      </p:sp>
-      <p:sp>
-        <p:nvSpPr>
-          <p:cNvPr id="4" name="Date Placeholder 3"/>
-          <p:cNvSpPr>
-            <a:spLocks noGrp="1"/>
-          </p:cNvSpPr>
-          <p:nvPr>
-            <p:ph type="dt" sz="half" idx="10"/>
-          </p:nvPr>
-        </p:nvSpPr>
-        <p:spPr/>
-        <p:txBody>
-          <a:bodyPr/>
-          <a:lstStyle/>
-          <a:p>
-            <a:fld id="{5BCAD085-E8A6-8845-BD4E-CB4CCA059FC4}" type="datetimeFigureOut">
-              <a:rPr lang="en-US" smtClean="0"/>
-              <a:t>1/27/13</a:t>
+              <a:t>1/2/22</a:t>
             </a:fld>
             <a:endParaRPr lang="en-US"/>
           </a:p>
@@ -498,7 +517,7 @@
           <a:bodyPr/>
           <a:lstStyle/>
           <a:p>
-            <a:fld id="{C1FF6DA9-008F-8B48-92A6-B652298478BF}" type="slidenum">
+            <a:fld id="{C5EF2332-01BF-834F-8236-50238282D533}" type="slidenum">
               <a:rPr lang="en-US" smtClean="0"/>
               <a:t>‹#›</a:t>
             </a:fld>
@@ -509,7 +528,7 @@
     </p:spTree>
     <p:extLst>
       <p:ext uri="{BB962C8B-B14F-4D97-AF65-F5344CB8AC3E}">
-        <p14:creationId xmlns:p14="http://schemas.microsoft.com/office/powerpoint/2010/main" val="2910927964"/>
+        <p14:creationId xmlns:p14="http://schemas.microsoft.com/office/powerpoint/2010/main" val="313914798"/>
       </p:ext>
     </p:extLst>
   </p:cSld>
@@ -548,8 +567,8 @@
         </p:nvSpPr>
         <p:spPr>
           <a:xfrm>
-            <a:off x="6629400" y="274638"/>
-            <a:ext cx="2057400" cy="5851525"/>
+            <a:off x="6629400" y="205979"/>
+            <a:ext cx="2057400" cy="4388644"/>
           </a:xfrm>
         </p:spPr>
         <p:txBody>
@@ -557,10 +576,9 @@
           <a:lstStyle/>
           <a:p>
             <a:r>
-              <a:rPr lang="en-US" smtClean="0"/>
+              <a:rPr lang="en-US"/>
               <a:t>Click to edit Master title style</a:t>
             </a:r>
-            <a:endParaRPr lang="en-US"/>
           </a:p>
         </p:txBody>
       </p:sp>
@@ -576,8 +594,8 @@
         </p:nvSpPr>
         <p:spPr>
           <a:xfrm>
-            <a:off x="457200" y="274638"/>
-            <a:ext cx="6019800" cy="5851525"/>
+            <a:off x="457200" y="205979"/>
+            <a:ext cx="6019800" cy="4388644"/>
           </a:xfrm>
         </p:spPr>
         <p:txBody>
@@ -586,59 +604,58 @@
           <a:p>
             <a:pPr lvl="0"/>
             <a:r>
+              <a:rPr lang="en-US"/>
+              <a:t>Click to edit Master text styles</a:t>
+            </a:r>
+          </a:p>
+          <a:p>
+            <a:pPr lvl="1"/>
+            <a:r>
+              <a:rPr lang="en-US"/>
+              <a:t>Second level</a:t>
+            </a:r>
+          </a:p>
+          <a:p>
+            <a:pPr lvl="2"/>
+            <a:r>
+              <a:rPr lang="en-US"/>
+              <a:t>Third level</a:t>
+            </a:r>
+          </a:p>
+          <a:p>
+            <a:pPr lvl="3"/>
+            <a:r>
+              <a:rPr lang="en-US"/>
+              <a:t>Fourth level</a:t>
+            </a:r>
+          </a:p>
+          <a:p>
+            <a:pPr lvl="4"/>
+            <a:r>
+              <a:rPr lang="en-US"/>
+              <a:t>Fifth level</a:t>
+            </a:r>
+          </a:p>
+        </p:txBody>
+      </p:sp>
+      <p:sp>
+        <p:nvSpPr>
+          <p:cNvPr id="4" name="Date Placeholder 3"/>
+          <p:cNvSpPr>
+            <a:spLocks noGrp="1"/>
+          </p:cNvSpPr>
+          <p:nvPr>
+            <p:ph type="dt" sz="half" idx="10"/>
+          </p:nvPr>
+        </p:nvSpPr>
+        <p:spPr/>
+        <p:txBody>
+          <a:bodyPr/>
+          <a:lstStyle/>
+          <a:p>
+            <a:fld id="{241EB5C9-1307-BA42-ABA2-0BC069CD8E7F}" type="datetimeFigureOut">
               <a:rPr lang="en-US" smtClean="0"/>
-              <a:t>Click to edit Master text styles</a:t>
-            </a:r>
-          </a:p>
-          <a:p>
-            <a:pPr lvl="1"/>
-            <a:r>
-              <a:rPr lang="en-US" smtClean="0"/>
-              <a:t>Second level</a:t>
-            </a:r>
-          </a:p>
-          <a:p>
-            <a:pPr lvl="2"/>
-            <a:r>
-              <a:rPr lang="en-US" smtClean="0"/>
-              <a:t>Third level</a:t>
-            </a:r>
-          </a:p>
-          <a:p>
-            <a:pPr lvl="3"/>
-            <a:r>
-              <a:rPr lang="en-US" smtClean="0"/>
-              <a:t>Fourth level</a:t>
-            </a:r>
-          </a:p>
-          <a:p>
-            <a:pPr lvl="4"/>
-            <a:r>
-              <a:rPr lang="en-US" smtClean="0"/>
-              <a:t>Fifth level</a:t>
-            </a:r>
-            <a:endParaRPr lang="en-US"/>
-          </a:p>
-        </p:txBody>
-      </p:sp>
-      <p:sp>
-        <p:nvSpPr>
-          <p:cNvPr id="4" name="Date Placeholder 3"/>
-          <p:cNvSpPr>
-            <a:spLocks noGrp="1"/>
-          </p:cNvSpPr>
-          <p:nvPr>
-            <p:ph type="dt" sz="half" idx="10"/>
-          </p:nvPr>
-        </p:nvSpPr>
-        <p:spPr/>
-        <p:txBody>
-          <a:bodyPr/>
-          <a:lstStyle/>
-          <a:p>
-            <a:fld id="{5BCAD085-E8A6-8845-BD4E-CB4CCA059FC4}" type="datetimeFigureOut">
-              <a:rPr lang="en-US" smtClean="0"/>
-              <a:t>1/27/13</a:t>
+              <a:t>1/2/22</a:t>
             </a:fld>
             <a:endParaRPr lang="en-US"/>
           </a:p>
@@ -678,7 +695,7 @@
           <a:bodyPr/>
           <a:lstStyle/>
           <a:p>
-            <a:fld id="{C1FF6DA9-008F-8B48-92A6-B652298478BF}" type="slidenum">
+            <a:fld id="{C5EF2332-01BF-834F-8236-50238282D533}" type="slidenum">
               <a:rPr lang="en-US" smtClean="0"/>
               <a:t>‹#›</a:t>
             </a:fld>
@@ -689,7 +706,7 @@
     </p:spTree>
     <p:extLst>
       <p:ext uri="{BB962C8B-B14F-4D97-AF65-F5344CB8AC3E}">
-        <p14:creationId xmlns:p14="http://schemas.microsoft.com/office/powerpoint/2010/main" val="3612223792"/>
+        <p14:creationId xmlns:p14="http://schemas.microsoft.com/office/powerpoint/2010/main" val="2581529045"/>
       </p:ext>
     </p:extLst>
   </p:cSld>
@@ -732,83 +749,81 @@
           <a:lstStyle/>
           <a:p>
             <a:r>
+              <a:rPr lang="en-US"/>
+              <a:t>Click to edit Master title style</a:t>
+            </a:r>
+          </a:p>
+        </p:txBody>
+      </p:sp>
+      <p:sp>
+        <p:nvSpPr>
+          <p:cNvPr id="3" name="Content Placeholder 2"/>
+          <p:cNvSpPr>
+            <a:spLocks noGrp="1"/>
+          </p:cNvSpPr>
+          <p:nvPr>
+            <p:ph idx="1"/>
+          </p:nvPr>
+        </p:nvSpPr>
+        <p:spPr/>
+        <p:txBody>
+          <a:bodyPr/>
+          <a:lstStyle/>
+          <a:p>
+            <a:pPr lvl="0"/>
+            <a:r>
+              <a:rPr lang="en-US"/>
+              <a:t>Click to edit Master text styles</a:t>
+            </a:r>
+          </a:p>
+          <a:p>
+            <a:pPr lvl="1"/>
+            <a:r>
+              <a:rPr lang="en-US"/>
+              <a:t>Second level</a:t>
+            </a:r>
+          </a:p>
+          <a:p>
+            <a:pPr lvl="2"/>
+            <a:r>
+              <a:rPr lang="en-US"/>
+              <a:t>Third level</a:t>
+            </a:r>
+          </a:p>
+          <a:p>
+            <a:pPr lvl="3"/>
+            <a:r>
+              <a:rPr lang="en-US"/>
+              <a:t>Fourth level</a:t>
+            </a:r>
+          </a:p>
+          <a:p>
+            <a:pPr lvl="4"/>
+            <a:r>
+              <a:rPr lang="en-US"/>
+              <a:t>Fifth level</a:t>
+            </a:r>
+          </a:p>
+        </p:txBody>
+      </p:sp>
+      <p:sp>
+        <p:nvSpPr>
+          <p:cNvPr id="4" name="Date Placeholder 3"/>
+          <p:cNvSpPr>
+            <a:spLocks noGrp="1"/>
+          </p:cNvSpPr>
+          <p:nvPr>
+            <p:ph type="dt" sz="half" idx="10"/>
+          </p:nvPr>
+        </p:nvSpPr>
+        <p:spPr/>
+        <p:txBody>
+          <a:bodyPr/>
+          <a:lstStyle/>
+          <a:p>
+            <a:fld id="{241EB5C9-1307-BA42-ABA2-0BC069CD8E7F}" type="datetimeFigureOut">
               <a:rPr lang="en-US" smtClean="0"/>
-              <a:t>Click to edit Master title style</a:t>
-            </a:r>
-            <a:endParaRPr lang="en-US"/>
-          </a:p>
-        </p:txBody>
-      </p:sp>
-      <p:sp>
-        <p:nvSpPr>
-          <p:cNvPr id="3" name="Content Placeholder 2"/>
-          <p:cNvSpPr>
-            <a:spLocks noGrp="1"/>
-          </p:cNvSpPr>
-          <p:nvPr>
-            <p:ph idx="1"/>
-          </p:nvPr>
-        </p:nvSpPr>
-        <p:spPr/>
-        <p:txBody>
-          <a:bodyPr/>
-          <a:lstStyle/>
-          <a:p>
-            <a:pPr lvl="0"/>
-            <a:r>
-              <a:rPr lang="en-US" smtClean="0"/>
-              <a:t>Click to edit Master text styles</a:t>
-            </a:r>
-          </a:p>
-          <a:p>
-            <a:pPr lvl="1"/>
-            <a:r>
-              <a:rPr lang="en-US" smtClean="0"/>
-              <a:t>Second level</a:t>
-            </a:r>
-          </a:p>
-          <a:p>
-            <a:pPr lvl="2"/>
-            <a:r>
-              <a:rPr lang="en-US" smtClean="0"/>
-              <a:t>Third level</a:t>
-            </a:r>
-          </a:p>
-          <a:p>
-            <a:pPr lvl="3"/>
-            <a:r>
-              <a:rPr lang="en-US" smtClean="0"/>
-              <a:t>Fourth level</a:t>
-            </a:r>
-          </a:p>
-          <a:p>
-            <a:pPr lvl="4"/>
-            <a:r>
-              <a:rPr lang="en-US" smtClean="0"/>
-              <a:t>Fifth level</a:t>
-            </a:r>
-            <a:endParaRPr lang="en-US"/>
-          </a:p>
-        </p:txBody>
-      </p:sp>
-      <p:sp>
-        <p:nvSpPr>
-          <p:cNvPr id="4" name="Date Placeholder 3"/>
-          <p:cNvSpPr>
-            <a:spLocks noGrp="1"/>
-          </p:cNvSpPr>
-          <p:nvPr>
-            <p:ph type="dt" sz="half" idx="10"/>
-          </p:nvPr>
-        </p:nvSpPr>
-        <p:spPr/>
-        <p:txBody>
-          <a:bodyPr/>
-          <a:lstStyle/>
-          <a:p>
-            <a:fld id="{5BCAD085-E8A6-8845-BD4E-CB4CCA059FC4}" type="datetimeFigureOut">
-              <a:rPr lang="en-US" smtClean="0"/>
-              <a:t>1/27/13</a:t>
+              <a:t>1/2/22</a:t>
             </a:fld>
             <a:endParaRPr lang="en-US"/>
           </a:p>
@@ -848,7 +863,7 @@
           <a:bodyPr/>
           <a:lstStyle/>
           <a:p>
-            <a:fld id="{C1FF6DA9-008F-8B48-92A6-B652298478BF}" type="slidenum">
+            <a:fld id="{C5EF2332-01BF-834F-8236-50238282D533}" type="slidenum">
               <a:rPr lang="en-US" smtClean="0"/>
               <a:t>‹#›</a:t>
             </a:fld>
@@ -859,7 +874,7 @@
     </p:spTree>
     <p:extLst>
       <p:ext uri="{BB962C8B-B14F-4D97-AF65-F5344CB8AC3E}">
-        <p14:creationId xmlns:p14="http://schemas.microsoft.com/office/powerpoint/2010/main" val="2614314258"/>
+        <p14:creationId xmlns:p14="http://schemas.microsoft.com/office/powerpoint/2010/main" val="338346009"/>
       </p:ext>
     </p:extLst>
   </p:cSld>
@@ -898,23 +913,22 @@
         </p:nvSpPr>
         <p:spPr>
           <a:xfrm>
-            <a:off x="722313" y="4406900"/>
-            <a:ext cx="7772400" cy="1362075"/>
+            <a:off x="722313" y="3305176"/>
+            <a:ext cx="7772400" cy="1021556"/>
           </a:xfrm>
         </p:spPr>
         <p:txBody>
           <a:bodyPr anchor="t"/>
           <a:lstStyle>
             <a:lvl1pPr algn="l">
-              <a:defRPr sz="4000" b="1" cap="all"/>
+              <a:defRPr sz="3000" b="1" cap="all"/>
             </a:lvl1pPr>
           </a:lstStyle>
           <a:p>
             <a:r>
-              <a:rPr lang="en-US" smtClean="0"/>
+              <a:rPr lang="en-US"/>
               <a:t>Click to edit Master title style</a:t>
             </a:r>
-            <a:endParaRPr lang="en-US"/>
           </a:p>
         </p:txBody>
       </p:sp>
@@ -930,8 +944,8 @@
         </p:nvSpPr>
         <p:spPr>
           <a:xfrm>
-            <a:off x="722313" y="2906713"/>
-            <a:ext cx="7772400" cy="1500187"/>
+            <a:off x="722313" y="2180035"/>
+            <a:ext cx="7772400" cy="1125140"/>
           </a:xfrm>
         </p:spPr>
         <p:txBody>
@@ -939,7 +953,7 @@
           <a:lstStyle>
             <a:lvl1pPr marL="0" indent="0">
               <a:buNone/>
-              <a:defRPr sz="2000">
+              <a:defRPr sz="1500">
                 <a:solidFill>
                   <a:schemeClr val="tx1">
                     <a:tint val="75000"/>
@@ -947,9 +961,9 @@
                 </a:solidFill>
               </a:defRPr>
             </a:lvl1pPr>
-            <a:lvl2pPr marL="457200" indent="0">
-              <a:buNone/>
-              <a:defRPr sz="1800">
+            <a:lvl2pPr marL="342900" indent="0">
+              <a:buNone/>
+              <a:defRPr sz="1350">
                 <a:solidFill>
                   <a:schemeClr val="tx1">
                     <a:tint val="75000"/>
@@ -957,9 +971,9 @@
                 </a:solidFill>
               </a:defRPr>
             </a:lvl2pPr>
-            <a:lvl3pPr marL="914400" indent="0">
-              <a:buNone/>
-              <a:defRPr sz="1600">
+            <a:lvl3pPr marL="685800" indent="0">
+              <a:buNone/>
+              <a:defRPr sz="1200">
                 <a:solidFill>
                   <a:schemeClr val="tx1">
                     <a:tint val="75000"/>
@@ -967,9 +981,9 @@
                 </a:solidFill>
               </a:defRPr>
             </a:lvl3pPr>
-            <a:lvl4pPr marL="1371600" indent="0">
-              <a:buNone/>
-              <a:defRPr sz="1400">
+            <a:lvl4pPr marL="1028700" indent="0">
+              <a:buNone/>
+              <a:defRPr sz="1050">
                 <a:solidFill>
                   <a:schemeClr val="tx1">
                     <a:tint val="75000"/>
@@ -977,9 +991,9 @@
                 </a:solidFill>
               </a:defRPr>
             </a:lvl4pPr>
-            <a:lvl5pPr marL="1828800" indent="0">
-              <a:buNone/>
-              <a:defRPr sz="1400">
+            <a:lvl5pPr marL="1371600" indent="0">
+              <a:buNone/>
+              <a:defRPr sz="1050">
                 <a:solidFill>
                   <a:schemeClr val="tx1">
                     <a:tint val="75000"/>
@@ -987,9 +1001,9 @@
                 </a:solidFill>
               </a:defRPr>
             </a:lvl5pPr>
-            <a:lvl6pPr marL="2286000" indent="0">
-              <a:buNone/>
-              <a:defRPr sz="1400">
+            <a:lvl6pPr marL="1714500" indent="0">
+              <a:buNone/>
+              <a:defRPr sz="1050">
                 <a:solidFill>
                   <a:schemeClr val="tx1">
                     <a:tint val="75000"/>
@@ -997,9 +1011,9 @@
                 </a:solidFill>
               </a:defRPr>
             </a:lvl6pPr>
-            <a:lvl7pPr marL="2743200" indent="0">
-              <a:buNone/>
-              <a:defRPr sz="1400">
+            <a:lvl7pPr marL="2057400" indent="0">
+              <a:buNone/>
+              <a:defRPr sz="1050">
                 <a:solidFill>
                   <a:schemeClr val="tx1">
                     <a:tint val="75000"/>
@@ -1007,9 +1021,9 @@
                 </a:solidFill>
               </a:defRPr>
             </a:lvl7pPr>
-            <a:lvl8pPr marL="3200400" indent="0">
-              <a:buNone/>
-              <a:defRPr sz="1400">
+            <a:lvl8pPr marL="2400300" indent="0">
+              <a:buNone/>
+              <a:defRPr sz="1050">
                 <a:solidFill>
                   <a:schemeClr val="tx1">
                     <a:tint val="75000"/>
@@ -1017,9 +1031,9 @@
                 </a:solidFill>
               </a:defRPr>
             </a:lvl8pPr>
-            <a:lvl9pPr marL="3657600" indent="0">
-              <a:buNone/>
-              <a:defRPr sz="1400">
+            <a:lvl9pPr marL="2743200" indent="0">
+              <a:buNone/>
+              <a:defRPr sz="1050">
                 <a:solidFill>
                   <a:schemeClr val="tx1">
                     <a:tint val="75000"/>
@@ -1031,30 +1045,30 @@
           <a:p>
             <a:pPr lvl="0"/>
             <a:r>
+              <a:rPr lang="en-US"/>
+              <a:t>Click to edit Master text styles</a:t>
+            </a:r>
+          </a:p>
+        </p:txBody>
+      </p:sp>
+      <p:sp>
+        <p:nvSpPr>
+          <p:cNvPr id="4" name="Date Placeholder 3"/>
+          <p:cNvSpPr>
+            <a:spLocks noGrp="1"/>
+          </p:cNvSpPr>
+          <p:nvPr>
+            <p:ph type="dt" sz="half" idx="10"/>
+          </p:nvPr>
+        </p:nvSpPr>
+        <p:spPr/>
+        <p:txBody>
+          <a:bodyPr/>
+          <a:lstStyle/>
+          <a:p>
+            <a:fld id="{241EB5C9-1307-BA42-ABA2-0BC069CD8E7F}" type="datetimeFigureOut">
               <a:rPr lang="en-US" smtClean="0"/>
-              <a:t>Click to edit Master text styles</a:t>
-            </a:r>
-          </a:p>
-        </p:txBody>
-      </p:sp>
-      <p:sp>
-        <p:nvSpPr>
-          <p:cNvPr id="4" name="Date Placeholder 3"/>
-          <p:cNvSpPr>
-            <a:spLocks noGrp="1"/>
-          </p:cNvSpPr>
-          <p:nvPr>
-            <p:ph type="dt" sz="half" idx="10"/>
-          </p:nvPr>
-        </p:nvSpPr>
-        <p:spPr/>
-        <p:txBody>
-          <a:bodyPr/>
-          <a:lstStyle/>
-          <a:p>
-            <a:fld id="{5BCAD085-E8A6-8845-BD4E-CB4CCA059FC4}" type="datetimeFigureOut">
-              <a:rPr lang="en-US" smtClean="0"/>
-              <a:t>1/27/13</a:t>
+              <a:t>1/2/22</a:t>
             </a:fld>
             <a:endParaRPr lang="en-US"/>
           </a:p>
@@ -1094,7 +1108,7 @@
           <a:bodyPr/>
           <a:lstStyle/>
           <a:p>
-            <a:fld id="{C1FF6DA9-008F-8B48-92A6-B652298478BF}" type="slidenum">
+            <a:fld id="{C5EF2332-01BF-834F-8236-50238282D533}" type="slidenum">
               <a:rPr lang="en-US" smtClean="0"/>
               <a:t>‹#›</a:t>
             </a:fld>
@@ -1105,7 +1119,7 @@
     </p:spTree>
     <p:extLst>
       <p:ext uri="{BB962C8B-B14F-4D97-AF65-F5344CB8AC3E}">
-        <p14:creationId xmlns:p14="http://schemas.microsoft.com/office/powerpoint/2010/main" val="960648375"/>
+        <p14:creationId xmlns:p14="http://schemas.microsoft.com/office/powerpoint/2010/main" val="1073069076"/>
       </p:ext>
     </p:extLst>
   </p:cSld>
@@ -1148,10 +1162,9 @@
           <a:lstStyle/>
           <a:p>
             <a:r>
-              <a:rPr lang="en-US" smtClean="0"/>
+              <a:rPr lang="en-US"/>
               <a:t>Click to edit Master title style</a:t>
             </a:r>
-            <a:endParaRPr lang="en-US"/>
           </a:p>
         </p:txBody>
       </p:sp>
@@ -1167,76 +1180,75 @@
         </p:nvSpPr>
         <p:spPr>
           <a:xfrm>
-            <a:off x="457200" y="1600200"/>
-            <a:ext cx="4038600" cy="4525963"/>
+            <a:off x="457200" y="1200151"/>
+            <a:ext cx="4038600" cy="3394472"/>
           </a:xfrm>
         </p:spPr>
         <p:txBody>
           <a:bodyPr/>
           <a:lstStyle>
             <a:lvl1pPr>
-              <a:defRPr sz="2800"/>
+              <a:defRPr sz="2100"/>
             </a:lvl1pPr>
             <a:lvl2pPr>
-              <a:defRPr sz="2400"/>
+              <a:defRPr sz="1800"/>
             </a:lvl2pPr>
             <a:lvl3pPr>
-              <a:defRPr sz="2000"/>
+              <a:defRPr sz="1500"/>
             </a:lvl3pPr>
             <a:lvl4pPr>
-              <a:defRPr sz="1800"/>
+              <a:defRPr sz="1350"/>
             </a:lvl4pPr>
             <a:lvl5pPr>
-              <a:defRPr sz="1800"/>
+              <a:defRPr sz="1350"/>
             </a:lvl5pPr>
             <a:lvl6pPr>
-              <a:defRPr sz="1800"/>
+              <a:defRPr sz="1350"/>
             </a:lvl6pPr>
             <a:lvl7pPr>
-              <a:defRPr sz="1800"/>
+              <a:defRPr sz="1350"/>
             </a:lvl7pPr>
             <a:lvl8pPr>
-              <a:defRPr sz="1800"/>
+              <a:defRPr sz="1350"/>
             </a:lvl8pPr>
             <a:lvl9pPr>
-              <a:defRPr sz="1800"/>
+              <a:defRPr sz="1350"/>
             </a:lvl9pPr>
           </a:lstStyle>
           <a:p>
             <a:pPr lvl="0"/>
             <a:r>
-              <a:rPr lang="en-US" smtClean="0"/>
+              <a:rPr lang="en-US"/>
               <a:t>Click to edit Master text styles</a:t>
             </a:r>
           </a:p>
           <a:p>
             <a:pPr lvl="1"/>
             <a:r>
-              <a:rPr lang="en-US" smtClean="0"/>
+              <a:rPr lang="en-US"/>
               <a:t>Second level</a:t>
             </a:r>
           </a:p>
           <a:p>
             <a:pPr lvl="2"/>
             <a:r>
-              <a:rPr lang="en-US" smtClean="0"/>
+              <a:rPr lang="en-US"/>
               <a:t>Third level</a:t>
             </a:r>
           </a:p>
           <a:p>
             <a:pPr lvl="3"/>
             <a:r>
-              <a:rPr lang="en-US" smtClean="0"/>
+              <a:rPr lang="en-US"/>
               <a:t>Fourth level</a:t>
             </a:r>
           </a:p>
           <a:p>
             <a:pPr lvl="4"/>
             <a:r>
-              <a:rPr lang="en-US" smtClean="0"/>
+              <a:rPr lang="en-US"/>
               <a:t>Fifth level</a:t>
             </a:r>
-            <a:endParaRPr lang="en-US"/>
           </a:p>
         </p:txBody>
       </p:sp>
@@ -1252,97 +1264,96 @@
         </p:nvSpPr>
         <p:spPr>
           <a:xfrm>
-            <a:off x="4648200" y="1600200"/>
-            <a:ext cx="4038600" cy="4525963"/>
+            <a:off x="4648200" y="1200151"/>
+            <a:ext cx="4038600" cy="3394472"/>
           </a:xfrm>
         </p:spPr>
         <p:txBody>
           <a:bodyPr/>
           <a:lstStyle>
             <a:lvl1pPr>
-              <a:defRPr sz="2800"/>
+              <a:defRPr sz="2100"/>
             </a:lvl1pPr>
             <a:lvl2pPr>
-              <a:defRPr sz="2400"/>
+              <a:defRPr sz="1800"/>
             </a:lvl2pPr>
             <a:lvl3pPr>
-              <a:defRPr sz="2000"/>
+              <a:defRPr sz="1500"/>
             </a:lvl3pPr>
             <a:lvl4pPr>
-              <a:defRPr sz="1800"/>
+              <a:defRPr sz="1350"/>
             </a:lvl4pPr>
             <a:lvl5pPr>
-              <a:defRPr sz="1800"/>
+              <a:defRPr sz="1350"/>
             </a:lvl5pPr>
             <a:lvl6pPr>
-              <a:defRPr sz="1800"/>
+              <a:defRPr sz="1350"/>
             </a:lvl6pPr>
             <a:lvl7pPr>
-              <a:defRPr sz="1800"/>
+              <a:defRPr sz="1350"/>
             </a:lvl7pPr>
             <a:lvl8pPr>
-              <a:defRPr sz="1800"/>
+              <a:defRPr sz="1350"/>
             </a:lvl8pPr>
             <a:lvl9pPr>
-              <a:defRPr sz="1800"/>
+              <a:defRPr sz="1350"/>
             </a:lvl9pPr>
           </a:lstStyle>
           <a:p>
             <a:pPr lvl="0"/>
             <a:r>
+              <a:rPr lang="en-US"/>
+              <a:t>Click to edit Master text styles</a:t>
+            </a:r>
+          </a:p>
+          <a:p>
+            <a:pPr lvl="1"/>
+            <a:r>
+              <a:rPr lang="en-US"/>
+              <a:t>Second level</a:t>
+            </a:r>
+          </a:p>
+          <a:p>
+            <a:pPr lvl="2"/>
+            <a:r>
+              <a:rPr lang="en-US"/>
+              <a:t>Third level</a:t>
+            </a:r>
+          </a:p>
+          <a:p>
+            <a:pPr lvl="3"/>
+            <a:r>
+              <a:rPr lang="en-US"/>
+              <a:t>Fourth level</a:t>
+            </a:r>
+          </a:p>
+          <a:p>
+            <a:pPr lvl="4"/>
+            <a:r>
+              <a:rPr lang="en-US"/>
+              <a:t>Fifth level</a:t>
+            </a:r>
+          </a:p>
+        </p:txBody>
+      </p:sp>
+      <p:sp>
+        <p:nvSpPr>
+          <p:cNvPr id="5" name="Date Placeholder 4"/>
+          <p:cNvSpPr>
+            <a:spLocks noGrp="1"/>
+          </p:cNvSpPr>
+          <p:nvPr>
+            <p:ph type="dt" sz="half" idx="10"/>
+          </p:nvPr>
+        </p:nvSpPr>
+        <p:spPr/>
+        <p:txBody>
+          <a:bodyPr/>
+          <a:lstStyle/>
+          <a:p>
+            <a:fld id="{241EB5C9-1307-BA42-ABA2-0BC069CD8E7F}" type="datetimeFigureOut">
               <a:rPr lang="en-US" smtClean="0"/>
-              <a:t>Click to edit Master text styles</a:t>
-            </a:r>
-          </a:p>
-          <a:p>
-            <a:pPr lvl="1"/>
-            <a:r>
-              <a:rPr lang="en-US" smtClean="0"/>
-              <a:t>Second level</a:t>
-            </a:r>
-          </a:p>
-          <a:p>
-            <a:pPr lvl="2"/>
-            <a:r>
-              <a:rPr lang="en-US" smtClean="0"/>
-              <a:t>Third level</a:t>
-            </a:r>
-          </a:p>
-          <a:p>
-            <a:pPr lvl="3"/>
-            <a:r>
-              <a:rPr lang="en-US" smtClean="0"/>
-              <a:t>Fourth level</a:t>
-            </a:r>
-          </a:p>
-          <a:p>
-            <a:pPr lvl="4"/>
-            <a:r>
-              <a:rPr lang="en-US" smtClean="0"/>
-              <a:t>Fifth level</a:t>
-            </a:r>
-            <a:endParaRPr lang="en-US"/>
-          </a:p>
-        </p:txBody>
-      </p:sp>
-      <p:sp>
-        <p:nvSpPr>
-          <p:cNvPr id="5" name="Date Placeholder 4"/>
-          <p:cNvSpPr>
-            <a:spLocks noGrp="1"/>
-          </p:cNvSpPr>
-          <p:nvPr>
-            <p:ph type="dt" sz="half" idx="10"/>
-          </p:nvPr>
-        </p:nvSpPr>
-        <p:spPr/>
-        <p:txBody>
-          <a:bodyPr/>
-          <a:lstStyle/>
-          <a:p>
-            <a:fld id="{5BCAD085-E8A6-8845-BD4E-CB4CCA059FC4}" type="datetimeFigureOut">
-              <a:rPr lang="en-US" smtClean="0"/>
-              <a:t>1/27/13</a:t>
+              <a:t>1/2/22</a:t>
             </a:fld>
             <a:endParaRPr lang="en-US"/>
           </a:p>
@@ -1382,7 +1393,7 @@
           <a:bodyPr/>
           <a:lstStyle/>
           <a:p>
-            <a:fld id="{C1FF6DA9-008F-8B48-92A6-B652298478BF}" type="slidenum">
+            <a:fld id="{C5EF2332-01BF-834F-8236-50238282D533}" type="slidenum">
               <a:rPr lang="en-US" smtClean="0"/>
               <a:t>‹#›</a:t>
             </a:fld>
@@ -1393,7 +1404,7 @@
     </p:spTree>
     <p:extLst>
       <p:ext uri="{BB962C8B-B14F-4D97-AF65-F5344CB8AC3E}">
-        <p14:creationId xmlns:p14="http://schemas.microsoft.com/office/powerpoint/2010/main" val="2782244947"/>
+        <p14:creationId xmlns:p14="http://schemas.microsoft.com/office/powerpoint/2010/main" val="2619886245"/>
       </p:ext>
     </p:extLst>
   </p:cSld>
@@ -1440,10 +1451,9 @@
           </a:lstStyle>
           <a:p>
             <a:r>
-              <a:rPr lang="en-US" smtClean="0"/>
+              <a:rPr lang="en-US"/>
               <a:t>Click to edit Master title style</a:t>
             </a:r>
-            <a:endParaRPr lang="en-US"/>
           </a:p>
         </p:txBody>
       </p:sp>
@@ -1459,8 +1469,8 @@
         </p:nvSpPr>
         <p:spPr>
           <a:xfrm>
-            <a:off x="457200" y="1535113"/>
-            <a:ext cx="4040188" cy="639762"/>
+            <a:off x="457200" y="1151335"/>
+            <a:ext cx="4040188" cy="479822"/>
           </a:xfrm>
         </p:spPr>
         <p:txBody>
@@ -1468,45 +1478,45 @@
           <a:lstStyle>
             <a:lvl1pPr marL="0" indent="0">
               <a:buNone/>
-              <a:defRPr sz="2400" b="1"/>
+              <a:defRPr sz="1800" b="1"/>
             </a:lvl1pPr>
-            <a:lvl2pPr marL="457200" indent="0">
-              <a:buNone/>
-              <a:defRPr sz="2000" b="1"/>
+            <a:lvl2pPr marL="342900" indent="0">
+              <a:buNone/>
+              <a:defRPr sz="1500" b="1"/>
             </a:lvl2pPr>
-            <a:lvl3pPr marL="914400" indent="0">
-              <a:buNone/>
-              <a:defRPr sz="1800" b="1"/>
+            <a:lvl3pPr marL="685800" indent="0">
+              <a:buNone/>
+              <a:defRPr sz="1350" b="1"/>
             </a:lvl3pPr>
-            <a:lvl4pPr marL="1371600" indent="0">
-              <a:buNone/>
-              <a:defRPr sz="1600" b="1"/>
+            <a:lvl4pPr marL="1028700" indent="0">
+              <a:buNone/>
+              <a:defRPr sz="1200" b="1"/>
             </a:lvl4pPr>
-            <a:lvl5pPr marL="1828800" indent="0">
-              <a:buNone/>
-              <a:defRPr sz="1600" b="1"/>
+            <a:lvl5pPr marL="1371600" indent="0">
+              <a:buNone/>
+              <a:defRPr sz="1200" b="1"/>
             </a:lvl5pPr>
-            <a:lvl6pPr marL="2286000" indent="0">
-              <a:buNone/>
-              <a:defRPr sz="1600" b="1"/>
+            <a:lvl6pPr marL="1714500" indent="0">
+              <a:buNone/>
+              <a:defRPr sz="1200" b="1"/>
             </a:lvl6pPr>
-            <a:lvl7pPr marL="2743200" indent="0">
-              <a:buNone/>
-              <a:defRPr sz="1600" b="1"/>
+            <a:lvl7pPr marL="2057400" indent="0">
+              <a:buNone/>
+              <a:defRPr sz="1200" b="1"/>
             </a:lvl7pPr>
-            <a:lvl8pPr marL="3200400" indent="0">
-              <a:buNone/>
-              <a:defRPr sz="1600" b="1"/>
+            <a:lvl8pPr marL="2400300" indent="0">
+              <a:buNone/>
+              <a:defRPr sz="1200" b="1"/>
             </a:lvl8pPr>
-            <a:lvl9pPr marL="3657600" indent="0">
-              <a:buNone/>
-              <a:defRPr sz="1600" b="1"/>
+            <a:lvl9pPr marL="2743200" indent="0">
+              <a:buNone/>
+              <a:defRPr sz="1200" b="1"/>
             </a:lvl9pPr>
           </a:lstStyle>
           <a:p>
             <a:pPr lvl="0"/>
             <a:r>
-              <a:rPr lang="en-US" smtClean="0"/>
+              <a:rPr lang="en-US"/>
               <a:t>Click to edit Master text styles</a:t>
             </a:r>
           </a:p>
@@ -1524,76 +1534,75 @@
         </p:nvSpPr>
         <p:spPr>
           <a:xfrm>
-            <a:off x="457200" y="2174875"/>
-            <a:ext cx="4040188" cy="3951288"/>
+            <a:off x="457200" y="1631156"/>
+            <a:ext cx="4040188" cy="2963466"/>
           </a:xfrm>
         </p:spPr>
         <p:txBody>
           <a:bodyPr/>
           <a:lstStyle>
             <a:lvl1pPr>
-              <a:defRPr sz="2400"/>
+              <a:defRPr sz="1800"/>
             </a:lvl1pPr>
             <a:lvl2pPr>
-              <a:defRPr sz="2000"/>
+              <a:defRPr sz="1500"/>
             </a:lvl2pPr>
             <a:lvl3pPr>
-              <a:defRPr sz="1800"/>
+              <a:defRPr sz="1350"/>
             </a:lvl3pPr>
             <a:lvl4pPr>
-              <a:defRPr sz="1600"/>
+              <a:defRPr sz="1200"/>
             </a:lvl4pPr>
             <a:lvl5pPr>
-              <a:defRPr sz="1600"/>
+              <a:defRPr sz="1200"/>
             </a:lvl5pPr>
             <a:lvl6pPr>
-              <a:defRPr sz="1600"/>
+              <a:defRPr sz="1200"/>
             </a:lvl6pPr>
             <a:lvl7pPr>
-              <a:defRPr sz="1600"/>
+              <a:defRPr sz="1200"/>
             </a:lvl7pPr>
             <a:lvl8pPr>
-              <a:defRPr sz="1600"/>
+              <a:defRPr sz="1200"/>
             </a:lvl8pPr>
             <a:lvl9pPr>
-              <a:defRPr sz="1600"/>
+              <a:defRPr sz="1200"/>
             </a:lvl9pPr>
           </a:lstStyle>
           <a:p>
             <a:pPr lvl="0"/>
             <a:r>
-              <a:rPr lang="en-US" smtClean="0"/>
+              <a:rPr lang="en-US"/>
               <a:t>Click to edit Master text styles</a:t>
             </a:r>
           </a:p>
           <a:p>
             <a:pPr lvl="1"/>
             <a:r>
-              <a:rPr lang="en-US" smtClean="0"/>
+              <a:rPr lang="en-US"/>
               <a:t>Second level</a:t>
             </a:r>
           </a:p>
           <a:p>
             <a:pPr lvl="2"/>
             <a:r>
-              <a:rPr lang="en-US" smtClean="0"/>
+              <a:rPr lang="en-US"/>
               <a:t>Third level</a:t>
             </a:r>
           </a:p>
           <a:p>
             <a:pPr lvl="3"/>
             <a:r>
-              <a:rPr lang="en-US" smtClean="0"/>
+              <a:rPr lang="en-US"/>
               <a:t>Fourth level</a:t>
             </a:r>
           </a:p>
           <a:p>
             <a:pPr lvl="4"/>
             <a:r>
-              <a:rPr lang="en-US" smtClean="0"/>
+              <a:rPr lang="en-US"/>
               <a:t>Fifth level</a:t>
             </a:r>
-            <a:endParaRPr lang="en-US"/>
           </a:p>
         </p:txBody>
       </p:sp>
@@ -1609,8 +1618,8 @@
         </p:nvSpPr>
         <p:spPr>
           <a:xfrm>
-            <a:off x="4645025" y="1535113"/>
-            <a:ext cx="4041775" cy="639762"/>
+            <a:off x="4645026" y="1151335"/>
+            <a:ext cx="4041775" cy="479822"/>
           </a:xfrm>
         </p:spPr>
         <p:txBody>
@@ -1618,45 +1627,45 @@
           <a:lstStyle>
             <a:lvl1pPr marL="0" indent="0">
               <a:buNone/>
-              <a:defRPr sz="2400" b="1"/>
+              <a:defRPr sz="1800" b="1"/>
             </a:lvl1pPr>
-            <a:lvl2pPr marL="457200" indent="0">
-              <a:buNone/>
-              <a:defRPr sz="2000" b="1"/>
+            <a:lvl2pPr marL="342900" indent="0">
+              <a:buNone/>
+              <a:defRPr sz="1500" b="1"/>
             </a:lvl2pPr>
-            <a:lvl3pPr marL="914400" indent="0">
-              <a:buNone/>
-              <a:defRPr sz="1800" b="1"/>
+            <a:lvl3pPr marL="685800" indent="0">
+              <a:buNone/>
+              <a:defRPr sz="1350" b="1"/>
             </a:lvl3pPr>
-            <a:lvl4pPr marL="1371600" indent="0">
-              <a:buNone/>
-              <a:defRPr sz="1600" b="1"/>
+            <a:lvl4pPr marL="1028700" indent="0">
+              <a:buNone/>
+              <a:defRPr sz="1200" b="1"/>
             </a:lvl4pPr>
-            <a:lvl5pPr marL="1828800" indent="0">
-              <a:buNone/>
-              <a:defRPr sz="1600" b="1"/>
+            <a:lvl5pPr marL="1371600" indent="0">
+              <a:buNone/>
+              <a:defRPr sz="1200" b="1"/>
             </a:lvl5pPr>
-            <a:lvl6pPr marL="2286000" indent="0">
-              <a:buNone/>
-              <a:defRPr sz="1600" b="1"/>
+            <a:lvl6pPr marL="1714500" indent="0">
+              <a:buNone/>
+              <a:defRPr sz="1200" b="1"/>
             </a:lvl6pPr>
-            <a:lvl7pPr marL="2743200" indent="0">
-              <a:buNone/>
-              <a:defRPr sz="1600" b="1"/>
+            <a:lvl7pPr marL="2057400" indent="0">
+              <a:buNone/>
+              <a:defRPr sz="1200" b="1"/>
             </a:lvl7pPr>
-            <a:lvl8pPr marL="3200400" indent="0">
-              <a:buNone/>
-              <a:defRPr sz="1600" b="1"/>
+            <a:lvl8pPr marL="2400300" indent="0">
+              <a:buNone/>
+              <a:defRPr sz="1200" b="1"/>
             </a:lvl8pPr>
-            <a:lvl9pPr marL="3657600" indent="0">
-              <a:buNone/>
-              <a:defRPr sz="1600" b="1"/>
+            <a:lvl9pPr marL="2743200" indent="0">
+              <a:buNone/>
+              <a:defRPr sz="1200" b="1"/>
             </a:lvl9pPr>
           </a:lstStyle>
           <a:p>
             <a:pPr lvl="0"/>
             <a:r>
-              <a:rPr lang="en-US" smtClean="0"/>
+              <a:rPr lang="en-US"/>
               <a:t>Click to edit Master text styles</a:t>
             </a:r>
           </a:p>
@@ -1674,97 +1683,96 @@
         </p:nvSpPr>
         <p:spPr>
           <a:xfrm>
-            <a:off x="4645025" y="2174875"/>
-            <a:ext cx="4041775" cy="3951288"/>
+            <a:off x="4645026" y="1631156"/>
+            <a:ext cx="4041775" cy="2963466"/>
           </a:xfrm>
         </p:spPr>
         <p:txBody>
           <a:bodyPr/>
           <a:lstStyle>
             <a:lvl1pPr>
-              <a:defRPr sz="2400"/>
+              <a:defRPr sz="1800"/>
             </a:lvl1pPr>
             <a:lvl2pPr>
-              <a:defRPr sz="2000"/>
+              <a:defRPr sz="1500"/>
             </a:lvl2pPr>
             <a:lvl3pPr>
-              <a:defRPr sz="1800"/>
+              <a:defRPr sz="1350"/>
             </a:lvl3pPr>
             <a:lvl4pPr>
-              <a:defRPr sz="1600"/>
+              <a:defRPr sz="1200"/>
             </a:lvl4pPr>
             <a:lvl5pPr>
-              <a:defRPr sz="1600"/>
+              <a:defRPr sz="1200"/>
             </a:lvl5pPr>
             <a:lvl6pPr>
-              <a:defRPr sz="1600"/>
+              <a:defRPr sz="1200"/>
             </a:lvl6pPr>
             <a:lvl7pPr>
-              <a:defRPr sz="1600"/>
+              <a:defRPr sz="1200"/>
             </a:lvl7pPr>
             <a:lvl8pPr>
-              <a:defRPr sz="1600"/>
+              <a:defRPr sz="1200"/>
             </a:lvl8pPr>
             <a:lvl9pPr>
-              <a:defRPr sz="1600"/>
+              <a:defRPr sz="1200"/>
             </a:lvl9pPr>
           </a:lstStyle>
           <a:p>
             <a:pPr lvl="0"/>
             <a:r>
+              <a:rPr lang="en-US"/>
+              <a:t>Click to edit Master text styles</a:t>
+            </a:r>
+          </a:p>
+          <a:p>
+            <a:pPr lvl="1"/>
+            <a:r>
+              <a:rPr lang="en-US"/>
+              <a:t>Second level</a:t>
+            </a:r>
+          </a:p>
+          <a:p>
+            <a:pPr lvl="2"/>
+            <a:r>
+              <a:rPr lang="en-US"/>
+              <a:t>Third level</a:t>
+            </a:r>
+          </a:p>
+          <a:p>
+            <a:pPr lvl="3"/>
+            <a:r>
+              <a:rPr lang="en-US"/>
+              <a:t>Fourth level</a:t>
+            </a:r>
+          </a:p>
+          <a:p>
+            <a:pPr lvl="4"/>
+            <a:r>
+              <a:rPr lang="en-US"/>
+              <a:t>Fifth level</a:t>
+            </a:r>
+          </a:p>
+        </p:txBody>
+      </p:sp>
+      <p:sp>
+        <p:nvSpPr>
+          <p:cNvPr id="7" name="Date Placeholder 6"/>
+          <p:cNvSpPr>
+            <a:spLocks noGrp="1"/>
+          </p:cNvSpPr>
+          <p:nvPr>
+            <p:ph type="dt" sz="half" idx="10"/>
+          </p:nvPr>
+        </p:nvSpPr>
+        <p:spPr/>
+        <p:txBody>
+          <a:bodyPr/>
+          <a:lstStyle/>
+          <a:p>
+            <a:fld id="{241EB5C9-1307-BA42-ABA2-0BC069CD8E7F}" type="datetimeFigureOut">
               <a:rPr lang="en-US" smtClean="0"/>
-              <a:t>Click to edit Master text styles</a:t>
-            </a:r>
-          </a:p>
-          <a:p>
-            <a:pPr lvl="1"/>
-            <a:r>
-              <a:rPr lang="en-US" smtClean="0"/>
-              <a:t>Second level</a:t>
-            </a:r>
-          </a:p>
-          <a:p>
-            <a:pPr lvl="2"/>
-            <a:r>
-              <a:rPr lang="en-US" smtClean="0"/>
-              <a:t>Third level</a:t>
-            </a:r>
-          </a:p>
-          <a:p>
-            <a:pPr lvl="3"/>
-            <a:r>
-              <a:rPr lang="en-US" smtClean="0"/>
-              <a:t>Fourth level</a:t>
-            </a:r>
-          </a:p>
-          <a:p>
-            <a:pPr lvl="4"/>
-            <a:r>
-              <a:rPr lang="en-US" smtClean="0"/>
-              <a:t>Fifth level</a:t>
-            </a:r>
-            <a:endParaRPr lang="en-US"/>
-          </a:p>
-        </p:txBody>
-      </p:sp>
-      <p:sp>
-        <p:nvSpPr>
-          <p:cNvPr id="7" name="Date Placeholder 6"/>
-          <p:cNvSpPr>
-            <a:spLocks noGrp="1"/>
-          </p:cNvSpPr>
-          <p:nvPr>
-            <p:ph type="dt" sz="half" idx="10"/>
-          </p:nvPr>
-        </p:nvSpPr>
-        <p:spPr/>
-        <p:txBody>
-          <a:bodyPr/>
-          <a:lstStyle/>
-          <a:p>
-            <a:fld id="{5BCAD085-E8A6-8845-BD4E-CB4CCA059FC4}" type="datetimeFigureOut">
-              <a:rPr lang="en-US" smtClean="0"/>
-              <a:t>1/27/13</a:t>
+              <a:t>1/2/22</a:t>
             </a:fld>
             <a:endParaRPr lang="en-US"/>
           </a:p>
@@ -1804,7 +1812,7 @@
           <a:bodyPr/>
           <a:lstStyle/>
           <a:p>
-            <a:fld id="{C1FF6DA9-008F-8B48-92A6-B652298478BF}" type="slidenum">
+            <a:fld id="{C5EF2332-01BF-834F-8236-50238282D533}" type="slidenum">
               <a:rPr lang="en-US" smtClean="0"/>
               <a:t>‹#›</a:t>
             </a:fld>
@@ -1815,7 +1823,7 @@
     </p:spTree>
     <p:extLst>
       <p:ext uri="{BB962C8B-B14F-4D97-AF65-F5344CB8AC3E}">
-        <p14:creationId xmlns:p14="http://schemas.microsoft.com/office/powerpoint/2010/main" val="990158736"/>
+        <p14:creationId xmlns:p14="http://schemas.microsoft.com/office/powerpoint/2010/main" val="2535793967"/>
       </p:ext>
     </p:extLst>
   </p:cSld>
@@ -1858,31 +1866,30 @@
           <a:lstStyle/>
           <a:p>
             <a:r>
+              <a:rPr lang="en-US"/>
+              <a:t>Click to edit Master title style</a:t>
+            </a:r>
+          </a:p>
+        </p:txBody>
+      </p:sp>
+      <p:sp>
+        <p:nvSpPr>
+          <p:cNvPr id="3" name="Date Placeholder 2"/>
+          <p:cNvSpPr>
+            <a:spLocks noGrp="1"/>
+          </p:cNvSpPr>
+          <p:nvPr>
+            <p:ph type="dt" sz="half" idx="10"/>
+          </p:nvPr>
+        </p:nvSpPr>
+        <p:spPr/>
+        <p:txBody>
+          <a:bodyPr/>
+          <a:lstStyle/>
+          <a:p>
+            <a:fld id="{241EB5C9-1307-BA42-ABA2-0BC069CD8E7F}" type="datetimeFigureOut">
               <a:rPr lang="en-US" smtClean="0"/>
-              <a:t>Click to edit Master title style</a:t>
-            </a:r>
-            <a:endParaRPr lang="en-US"/>
-          </a:p>
-        </p:txBody>
-      </p:sp>
-      <p:sp>
-        <p:nvSpPr>
-          <p:cNvPr id="3" name="Date Placeholder 2"/>
-          <p:cNvSpPr>
-            <a:spLocks noGrp="1"/>
-          </p:cNvSpPr>
-          <p:nvPr>
-            <p:ph type="dt" sz="half" idx="10"/>
-          </p:nvPr>
-        </p:nvSpPr>
-        <p:spPr/>
-        <p:txBody>
-          <a:bodyPr/>
-          <a:lstStyle/>
-          <a:p>
-            <a:fld id="{5BCAD085-E8A6-8845-BD4E-CB4CCA059FC4}" type="datetimeFigureOut">
-              <a:rPr lang="en-US" smtClean="0"/>
-              <a:t>1/27/13</a:t>
+              <a:t>1/2/22</a:t>
             </a:fld>
             <a:endParaRPr lang="en-US"/>
           </a:p>
@@ -1922,7 +1929,7 @@
           <a:bodyPr/>
           <a:lstStyle/>
           <a:p>
-            <a:fld id="{C1FF6DA9-008F-8B48-92A6-B652298478BF}" type="slidenum">
+            <a:fld id="{C5EF2332-01BF-834F-8236-50238282D533}" type="slidenum">
               <a:rPr lang="en-US" smtClean="0"/>
               <a:t>‹#›</a:t>
             </a:fld>
@@ -1933,7 +1940,7 @@
     </p:spTree>
     <p:extLst>
       <p:ext uri="{BB962C8B-B14F-4D97-AF65-F5344CB8AC3E}">
-        <p14:creationId xmlns:p14="http://schemas.microsoft.com/office/powerpoint/2010/main" val="727027711"/>
+        <p14:creationId xmlns:p14="http://schemas.microsoft.com/office/powerpoint/2010/main" val="3472721253"/>
       </p:ext>
     </p:extLst>
   </p:cSld>
@@ -1975,9 +1982,9 @@
           <a:bodyPr/>
           <a:lstStyle/>
           <a:p>
-            <a:fld id="{5BCAD085-E8A6-8845-BD4E-CB4CCA059FC4}" type="datetimeFigureOut">
+            <a:fld id="{241EB5C9-1307-BA42-ABA2-0BC069CD8E7F}" type="datetimeFigureOut">
               <a:rPr lang="en-US" smtClean="0"/>
-              <a:t>1/27/13</a:t>
+              <a:t>1/2/22</a:t>
             </a:fld>
             <a:endParaRPr lang="en-US"/>
           </a:p>
@@ -2017,7 +2024,7 @@
           <a:bodyPr/>
           <a:lstStyle/>
           <a:p>
-            <a:fld id="{C1FF6DA9-008F-8B48-92A6-B652298478BF}" type="slidenum">
+            <a:fld id="{C5EF2332-01BF-834F-8236-50238282D533}" type="slidenum">
               <a:rPr lang="en-US" smtClean="0"/>
               <a:t>‹#›</a:t>
             </a:fld>
@@ -2028,7 +2035,7 @@
     </p:spTree>
     <p:extLst>
       <p:ext uri="{BB962C8B-B14F-4D97-AF65-F5344CB8AC3E}">
-        <p14:creationId xmlns:p14="http://schemas.microsoft.com/office/powerpoint/2010/main" val="1212999818"/>
+        <p14:creationId xmlns:p14="http://schemas.microsoft.com/office/powerpoint/2010/main" val="2130901097"/>
       </p:ext>
     </p:extLst>
   </p:cSld>
@@ -2067,23 +2074,22 @@
         </p:nvSpPr>
         <p:spPr>
           <a:xfrm>
-            <a:off x="457200" y="273050"/>
-            <a:ext cx="3008313" cy="1162050"/>
+            <a:off x="457201" y="204787"/>
+            <a:ext cx="3008313" cy="871538"/>
           </a:xfrm>
         </p:spPr>
         <p:txBody>
           <a:bodyPr anchor="b"/>
           <a:lstStyle>
             <a:lvl1pPr algn="l">
-              <a:defRPr sz="2000" b="1"/>
+              <a:defRPr sz="1500" b="1"/>
             </a:lvl1pPr>
           </a:lstStyle>
           <a:p>
             <a:r>
-              <a:rPr lang="en-US" smtClean="0"/>
+              <a:rPr lang="en-US"/>
               <a:t>Click to edit Master title style</a:t>
             </a:r>
-            <a:endParaRPr lang="en-US"/>
           </a:p>
         </p:txBody>
       </p:sp>
@@ -2099,76 +2105,75 @@
         </p:nvSpPr>
         <p:spPr>
           <a:xfrm>
-            <a:off x="3575050" y="273050"/>
-            <a:ext cx="5111750" cy="5853113"/>
+            <a:off x="3575050" y="204788"/>
+            <a:ext cx="5111750" cy="4389835"/>
           </a:xfrm>
         </p:spPr>
         <p:txBody>
           <a:bodyPr/>
           <a:lstStyle>
             <a:lvl1pPr>
-              <a:defRPr sz="3200"/>
+              <a:defRPr sz="2400"/>
             </a:lvl1pPr>
             <a:lvl2pPr>
-              <a:defRPr sz="2800"/>
+              <a:defRPr sz="2100"/>
             </a:lvl2pPr>
             <a:lvl3pPr>
-              <a:defRPr sz="2400"/>
+              <a:defRPr sz="1800"/>
             </a:lvl3pPr>
             <a:lvl4pPr>
-              <a:defRPr sz="2000"/>
+              <a:defRPr sz="1500"/>
             </a:lvl4pPr>
             <a:lvl5pPr>
-              <a:defRPr sz="2000"/>
+              <a:defRPr sz="1500"/>
             </a:lvl5pPr>
             <a:lvl6pPr>
-              <a:defRPr sz="2000"/>
+              <a:defRPr sz="1500"/>
             </a:lvl6pPr>
             <a:lvl7pPr>
-              <a:defRPr sz="2000"/>
+              <a:defRPr sz="1500"/>
             </a:lvl7pPr>
             <a:lvl8pPr>
-              <a:defRPr sz="2000"/>
+              <a:defRPr sz="1500"/>
             </a:lvl8pPr>
             <a:lvl9pPr>
-              <a:defRPr sz="2000"/>
+              <a:defRPr sz="1500"/>
             </a:lvl9pPr>
           </a:lstStyle>
           <a:p>
             <a:pPr lvl="0"/>
             <a:r>
-              <a:rPr lang="en-US" smtClean="0"/>
+              <a:rPr lang="en-US"/>
               <a:t>Click to edit Master text styles</a:t>
             </a:r>
           </a:p>
           <a:p>
             <a:pPr lvl="1"/>
             <a:r>
-              <a:rPr lang="en-US" smtClean="0"/>
+              <a:rPr lang="en-US"/>
               <a:t>Second level</a:t>
             </a:r>
           </a:p>
           <a:p>
             <a:pPr lvl="2"/>
             <a:r>
-              <a:rPr lang="en-US" smtClean="0"/>
+              <a:rPr lang="en-US"/>
               <a:t>Third level</a:t>
             </a:r>
           </a:p>
           <a:p>
             <a:pPr lvl="3"/>
             <a:r>
-              <a:rPr lang="en-US" smtClean="0"/>
+              <a:rPr lang="en-US"/>
               <a:t>Fourth level</a:t>
             </a:r>
           </a:p>
           <a:p>
             <a:pPr lvl="4"/>
             <a:r>
-              <a:rPr lang="en-US" smtClean="0"/>
+              <a:rPr lang="en-US"/>
               <a:t>Fifth level</a:t>
             </a:r>
-            <a:endParaRPr lang="en-US"/>
           </a:p>
         </p:txBody>
       </p:sp>
@@ -2184,8 +2189,8 @@
         </p:nvSpPr>
         <p:spPr>
           <a:xfrm>
-            <a:off x="457200" y="1435100"/>
-            <a:ext cx="3008313" cy="4691063"/>
+            <a:off x="457201" y="1076326"/>
+            <a:ext cx="3008313" cy="3518297"/>
           </a:xfrm>
         </p:spPr>
         <p:txBody>
@@ -2193,68 +2198,68 @@
           <a:lstStyle>
             <a:lvl1pPr marL="0" indent="0">
               <a:buNone/>
-              <a:defRPr sz="1400"/>
+              <a:defRPr sz="1050"/>
             </a:lvl1pPr>
-            <a:lvl2pPr marL="457200" indent="0">
-              <a:buNone/>
-              <a:defRPr sz="1200"/>
+            <a:lvl2pPr marL="342900" indent="0">
+              <a:buNone/>
+              <a:defRPr sz="900"/>
             </a:lvl2pPr>
-            <a:lvl3pPr marL="914400" indent="0">
-              <a:buNone/>
-              <a:defRPr sz="1000"/>
+            <a:lvl3pPr marL="685800" indent="0">
+              <a:buNone/>
+              <a:defRPr sz="750"/>
             </a:lvl3pPr>
-            <a:lvl4pPr marL="1371600" indent="0">
-              <a:buNone/>
-              <a:defRPr sz="900"/>
+            <a:lvl4pPr marL="1028700" indent="0">
+              <a:buNone/>
+              <a:defRPr sz="675"/>
             </a:lvl4pPr>
-            <a:lvl5pPr marL="1828800" indent="0">
-              <a:buNone/>
-              <a:defRPr sz="900"/>
+            <a:lvl5pPr marL="1371600" indent="0">
+              <a:buNone/>
+              <a:defRPr sz="675"/>
             </a:lvl5pPr>
-            <a:lvl6pPr marL="2286000" indent="0">
-              <a:buNone/>
-              <a:defRPr sz="900"/>
+            <a:lvl6pPr marL="1714500" indent="0">
+              <a:buNone/>
+              <a:defRPr sz="675"/>
             </a:lvl6pPr>
-            <a:lvl7pPr marL="2743200" indent="0">
-              <a:buNone/>
-              <a:defRPr sz="900"/>
+            <a:lvl7pPr marL="2057400" indent="0">
+              <a:buNone/>
+              <a:defRPr sz="675"/>
             </a:lvl7pPr>
-            <a:lvl8pPr marL="3200400" indent="0">
-              <a:buNone/>
-              <a:defRPr sz="900"/>
+            <a:lvl8pPr marL="2400300" indent="0">
+              <a:buNone/>
+              <a:defRPr sz="675"/>
             </a:lvl8pPr>
-            <a:lvl9pPr marL="3657600" indent="0">
-              <a:buNone/>
-              <a:defRPr sz="900"/>
+            <a:lvl9pPr marL="2743200" indent="0">
+              <a:buNone/>
+              <a:defRPr sz="675"/>
             </a:lvl9pPr>
           </a:lstStyle>
           <a:p>
             <a:pPr lvl="0"/>
             <a:r>
+              <a:rPr lang="en-US"/>
+              <a:t>Click to edit Master text styles</a:t>
+            </a:r>
+          </a:p>
+        </p:txBody>
+      </p:sp>
+      <p:sp>
+        <p:nvSpPr>
+          <p:cNvPr id="5" name="Date Placeholder 4"/>
+          <p:cNvSpPr>
+            <a:spLocks noGrp="1"/>
+          </p:cNvSpPr>
+          <p:nvPr>
+            <p:ph type="dt" sz="half" idx="10"/>
+          </p:nvPr>
+        </p:nvSpPr>
+        <p:spPr/>
+        <p:txBody>
+          <a:bodyPr/>
+          <a:lstStyle/>
+          <a:p>
+            <a:fld id="{241EB5C9-1307-BA42-ABA2-0BC069CD8E7F}" type="datetimeFigureOut">
               <a:rPr lang="en-US" smtClean="0"/>
-              <a:t>Click to edit Master text styles</a:t>
-            </a:r>
-          </a:p>
-        </p:txBody>
-      </p:sp>
-      <p:sp>
-        <p:nvSpPr>
-          <p:cNvPr id="5" name="Date Placeholder 4"/>
-          <p:cNvSpPr>
-            <a:spLocks noGrp="1"/>
-          </p:cNvSpPr>
-          <p:nvPr>
-            <p:ph type="dt" sz="half" idx="10"/>
-          </p:nvPr>
-        </p:nvSpPr>
-        <p:spPr/>
-        <p:txBody>
-          <a:bodyPr/>
-          <a:lstStyle/>
-          <a:p>
-            <a:fld id="{5BCAD085-E8A6-8845-BD4E-CB4CCA059FC4}" type="datetimeFigureOut">
-              <a:rPr lang="en-US" smtClean="0"/>
-              <a:t>1/27/13</a:t>
+              <a:t>1/2/22</a:t>
             </a:fld>
             <a:endParaRPr lang="en-US"/>
           </a:p>
@@ -2294,7 +2299,7 @@
           <a:bodyPr/>
           <a:lstStyle/>
           <a:p>
-            <a:fld id="{C1FF6DA9-008F-8B48-92A6-B652298478BF}" type="slidenum">
+            <a:fld id="{C5EF2332-01BF-834F-8236-50238282D533}" type="slidenum">
               <a:rPr lang="en-US" smtClean="0"/>
               <a:t>‹#›</a:t>
             </a:fld>
@@ -2305,7 +2310,7 @@
     </p:spTree>
     <p:extLst>
       <p:ext uri="{BB962C8B-B14F-4D97-AF65-F5344CB8AC3E}">
-        <p14:creationId xmlns:p14="http://schemas.microsoft.com/office/powerpoint/2010/main" val="1840726560"/>
+        <p14:creationId xmlns:p14="http://schemas.microsoft.com/office/powerpoint/2010/main" val="3540895647"/>
       </p:ext>
     </p:extLst>
   </p:cSld>
@@ -2344,23 +2349,22 @@
         </p:nvSpPr>
         <p:spPr>
           <a:xfrm>
-            <a:off x="1792288" y="4800600"/>
-            <a:ext cx="5486400" cy="566738"/>
+            <a:off x="1792288" y="3600450"/>
+            <a:ext cx="5486400" cy="425054"/>
           </a:xfrm>
         </p:spPr>
         <p:txBody>
           <a:bodyPr anchor="b"/>
           <a:lstStyle>
             <a:lvl1pPr algn="l">
-              <a:defRPr sz="2000" b="1"/>
+              <a:defRPr sz="1500" b="1"/>
             </a:lvl1pPr>
           </a:lstStyle>
           <a:p>
             <a:r>
-              <a:rPr lang="en-US" smtClean="0"/>
+              <a:rPr lang="en-US"/>
               <a:t>Click to edit Master title style</a:t>
             </a:r>
-            <a:endParaRPr lang="en-US"/>
           </a:p>
         </p:txBody>
       </p:sp>
@@ -2376,8 +2380,8 @@
         </p:nvSpPr>
         <p:spPr>
           <a:xfrm>
-            <a:off x="1792288" y="612775"/>
-            <a:ext cx="5486400" cy="4114800"/>
+            <a:off x="1792288" y="459581"/>
+            <a:ext cx="5486400" cy="3086100"/>
           </a:xfrm>
         </p:spPr>
         <p:txBody>
@@ -2385,39 +2389,39 @@
           <a:lstStyle>
             <a:lvl1pPr marL="0" indent="0">
               <a:buNone/>
-              <a:defRPr sz="3200"/>
+              <a:defRPr sz="2400"/>
             </a:lvl1pPr>
-            <a:lvl2pPr marL="457200" indent="0">
-              <a:buNone/>
-              <a:defRPr sz="2800"/>
+            <a:lvl2pPr marL="342900" indent="0">
+              <a:buNone/>
+              <a:defRPr sz="2100"/>
             </a:lvl2pPr>
-            <a:lvl3pPr marL="914400" indent="0">
-              <a:buNone/>
-              <a:defRPr sz="2400"/>
+            <a:lvl3pPr marL="685800" indent="0">
+              <a:buNone/>
+              <a:defRPr sz="1800"/>
             </a:lvl3pPr>
-            <a:lvl4pPr marL="1371600" indent="0">
-              <a:buNone/>
-              <a:defRPr sz="2000"/>
+            <a:lvl4pPr marL="1028700" indent="0">
+              <a:buNone/>
+              <a:defRPr sz="1500"/>
             </a:lvl4pPr>
-            <a:lvl5pPr marL="1828800" indent="0">
-              <a:buNone/>
-              <a:defRPr sz="2000"/>
+            <a:lvl5pPr marL="1371600" indent="0">
+              <a:buNone/>
+              <a:defRPr sz="1500"/>
             </a:lvl5pPr>
-            <a:lvl6pPr marL="2286000" indent="0">
-              <a:buNone/>
-              <a:defRPr sz="2000"/>
+            <a:lvl6pPr marL="1714500" indent="0">
+              <a:buNone/>
+              <a:defRPr sz="1500"/>
             </a:lvl6pPr>
-            <a:lvl7pPr marL="2743200" indent="0">
-              <a:buNone/>
-              <a:defRPr sz="2000"/>
+            <a:lvl7pPr marL="2057400" indent="0">
+              <a:buNone/>
+              <a:defRPr sz="1500"/>
             </a:lvl7pPr>
-            <a:lvl8pPr marL="3200400" indent="0">
-              <a:buNone/>
-              <a:defRPr sz="2000"/>
+            <a:lvl8pPr marL="2400300" indent="0">
+              <a:buNone/>
+              <a:defRPr sz="1500"/>
             </a:lvl8pPr>
-            <a:lvl9pPr marL="3657600" indent="0">
-              <a:buNone/>
-              <a:defRPr sz="2000"/>
+            <a:lvl9pPr marL="2743200" indent="0">
+              <a:buNone/>
+              <a:defRPr sz="1500"/>
             </a:lvl9pPr>
           </a:lstStyle>
           <a:p>
@@ -2437,8 +2441,8 @@
         </p:nvSpPr>
         <p:spPr>
           <a:xfrm>
-            <a:off x="1792288" y="5367338"/>
-            <a:ext cx="5486400" cy="804862"/>
+            <a:off x="1792288" y="4025503"/>
+            <a:ext cx="5486400" cy="603647"/>
           </a:xfrm>
         </p:spPr>
         <p:txBody>
@@ -2446,68 +2450,68 @@
           <a:lstStyle>
             <a:lvl1pPr marL="0" indent="0">
               <a:buNone/>
-              <a:defRPr sz="1400"/>
+              <a:defRPr sz="1050"/>
             </a:lvl1pPr>
-            <a:lvl2pPr marL="457200" indent="0">
-              <a:buNone/>
-              <a:defRPr sz="1200"/>
+            <a:lvl2pPr marL="342900" indent="0">
+              <a:buNone/>
+              <a:defRPr sz="900"/>
             </a:lvl2pPr>
-            <a:lvl3pPr marL="914400" indent="0">
-              <a:buNone/>
-              <a:defRPr sz="1000"/>
+            <a:lvl3pPr marL="685800" indent="0">
+              <a:buNone/>
+              <a:defRPr sz="750"/>
             </a:lvl3pPr>
-            <a:lvl4pPr marL="1371600" indent="0">
-              <a:buNone/>
-              <a:defRPr sz="900"/>
+            <a:lvl4pPr marL="1028700" indent="0">
+              <a:buNone/>
+              <a:defRPr sz="675"/>
             </a:lvl4pPr>
-            <a:lvl5pPr marL="1828800" indent="0">
-              <a:buNone/>
-              <a:defRPr sz="900"/>
+            <a:lvl5pPr marL="1371600" indent="0">
+              <a:buNone/>
+              <a:defRPr sz="675"/>
             </a:lvl5pPr>
-            <a:lvl6pPr marL="2286000" indent="0">
-              <a:buNone/>
-              <a:defRPr sz="900"/>
+            <a:lvl6pPr marL="1714500" indent="0">
+              <a:buNone/>
+              <a:defRPr sz="675"/>
             </a:lvl6pPr>
-            <a:lvl7pPr marL="2743200" indent="0">
-              <a:buNone/>
-              <a:defRPr sz="900"/>
+            <a:lvl7pPr marL="2057400" indent="0">
+              <a:buNone/>
+              <a:defRPr sz="675"/>
             </a:lvl7pPr>
-            <a:lvl8pPr marL="3200400" indent="0">
-              <a:buNone/>
-              <a:defRPr sz="900"/>
+            <a:lvl8pPr marL="2400300" indent="0">
+              <a:buNone/>
+              <a:defRPr sz="675"/>
             </a:lvl8pPr>
-            <a:lvl9pPr marL="3657600" indent="0">
-              <a:buNone/>
-              <a:defRPr sz="900"/>
+            <a:lvl9pPr marL="2743200" indent="0">
+              <a:buNone/>
+              <a:defRPr sz="675"/>
             </a:lvl9pPr>
           </a:lstStyle>
           <a:p>
             <a:pPr lvl="0"/>
             <a:r>
+              <a:rPr lang="en-US"/>
+              <a:t>Click to edit Master text styles</a:t>
+            </a:r>
+          </a:p>
+        </p:txBody>
+      </p:sp>
+      <p:sp>
+        <p:nvSpPr>
+          <p:cNvPr id="5" name="Date Placeholder 4"/>
+          <p:cNvSpPr>
+            <a:spLocks noGrp="1"/>
+          </p:cNvSpPr>
+          <p:nvPr>
+            <p:ph type="dt" sz="half" idx="10"/>
+          </p:nvPr>
+        </p:nvSpPr>
+        <p:spPr/>
+        <p:txBody>
+          <a:bodyPr/>
+          <a:lstStyle/>
+          <a:p>
+            <a:fld id="{241EB5C9-1307-BA42-ABA2-0BC069CD8E7F}" type="datetimeFigureOut">
               <a:rPr lang="en-US" smtClean="0"/>
-              <a:t>Click to edit Master text styles</a:t>
-            </a:r>
-          </a:p>
-        </p:txBody>
-      </p:sp>
-      <p:sp>
-        <p:nvSpPr>
-          <p:cNvPr id="5" name="Date Placeholder 4"/>
-          <p:cNvSpPr>
-            <a:spLocks noGrp="1"/>
-          </p:cNvSpPr>
-          <p:nvPr>
-            <p:ph type="dt" sz="half" idx="10"/>
-          </p:nvPr>
-        </p:nvSpPr>
-        <p:spPr/>
-        <p:txBody>
-          <a:bodyPr/>
-          <a:lstStyle/>
-          <a:p>
-            <a:fld id="{5BCAD085-E8A6-8845-BD4E-CB4CCA059FC4}" type="datetimeFigureOut">
-              <a:rPr lang="en-US" smtClean="0"/>
-              <a:t>1/27/13</a:t>
+              <a:t>1/2/22</a:t>
             </a:fld>
             <a:endParaRPr lang="en-US"/>
           </a:p>
@@ -2547,7 +2551,7 @@
           <a:bodyPr/>
           <a:lstStyle/>
           <a:p>
-            <a:fld id="{C1FF6DA9-008F-8B48-92A6-B652298478BF}" type="slidenum">
+            <a:fld id="{C5EF2332-01BF-834F-8236-50238282D533}" type="slidenum">
               <a:rPr lang="en-US" smtClean="0"/>
               <a:t>‹#›</a:t>
             </a:fld>
@@ -2558,7 +2562,7 @@
     </p:spTree>
     <p:extLst>
       <p:ext uri="{BB962C8B-B14F-4D97-AF65-F5344CB8AC3E}">
-        <p14:creationId xmlns:p14="http://schemas.microsoft.com/office/powerpoint/2010/main" val="3889236939"/>
+        <p14:creationId xmlns:p14="http://schemas.microsoft.com/office/powerpoint/2010/main" val="3566899855"/>
       </p:ext>
     </p:extLst>
   </p:cSld>
@@ -2569,7 +2573,7 @@
 </file>
 
 <file path=ppt/slideMasters/slideMaster1.xml><?xml version="1.0" encoding="utf-8"?>
-<p:sldMaster xmlns:a="http://schemas.openxmlformats.org/drawingml/2006/main" xmlns:r="http://schemas.openxmlformats.org/officeDocument/2006/relationships" xmlns:p="http://schemas.openxmlformats.org/presentationml/2006/main">
+<p:sldMaster xmlns:a="http://schemas.openxmlformats.org/drawingml/2006/main" xmlns:p="http://schemas.openxmlformats.org/presentationml/2006/main" xmlns:r="http://schemas.openxmlformats.org/officeDocument/2006/relationships">
   <p:cSld>
     <p:bg>
       <p:bgRef idx="1001">
@@ -2602,24 +2606,23 @@
         </p:nvSpPr>
         <p:spPr>
           <a:xfrm>
-            <a:off x="457200" y="274638"/>
-            <a:ext cx="8229600" cy="1143000"/>
+            <a:off x="457200" y="205979"/>
+            <a:ext cx="8229600" cy="857250"/>
           </a:xfrm>
           <a:prstGeom prst="rect">
             <a:avLst/>
           </a:prstGeom>
         </p:spPr>
         <p:txBody>
-          <a:bodyPr vert="horz" lIns="91440" tIns="45720" rIns="91440" bIns="45720" rtlCol="0" anchor="ctr">
+          <a:bodyPr anchor="ctr" bIns="45720" lIns="91440" rIns="91440" rtlCol="0" tIns="45720" vert="horz">
             <a:normAutofit/>
           </a:bodyPr>
           <a:lstStyle/>
           <a:p>
             <a:r>
-              <a:rPr lang="en-US" smtClean="0"/>
+              <a:rPr lang="en-US"/>
               <a:t>Click to edit Master title style</a:t>
             </a:r>
-            <a:endParaRPr lang="en-US"/>
           </a:p>
         </p:txBody>
       </p:sp>
@@ -2630,58 +2633,57 @@
             <a:spLocks noGrp="1"/>
           </p:cNvSpPr>
           <p:nvPr>
-            <p:ph type="body" idx="1"/>
+            <p:ph idx="1" type="body"/>
           </p:nvPr>
         </p:nvSpPr>
         <p:spPr>
           <a:xfrm>
-            <a:off x="457200" y="1600200"/>
-            <a:ext cx="8229600" cy="4525963"/>
+            <a:off x="457200" y="1200151"/>
+            <a:ext cx="8229600" cy="3394472"/>
           </a:xfrm>
           <a:prstGeom prst="rect">
             <a:avLst/>
           </a:prstGeom>
         </p:spPr>
         <p:txBody>
-          <a:bodyPr vert="horz" lIns="91440" tIns="45720" rIns="91440" bIns="45720" rtlCol="0">
+          <a:bodyPr bIns="45720" lIns="91440" rIns="91440" rtlCol="0" tIns="45720" vert="horz">
             <a:normAutofit/>
           </a:bodyPr>
           <a:lstStyle/>
           <a:p>
             <a:pPr lvl="0"/>
             <a:r>
-              <a:rPr lang="en-US" smtClean="0"/>
+              <a:rPr lang="en-US"/>
               <a:t>Click to edit Master text styles</a:t>
             </a:r>
           </a:p>
           <a:p>
             <a:pPr lvl="1"/>
             <a:r>
-              <a:rPr lang="en-US" smtClean="0"/>
+              <a:rPr lang="en-US"/>
               <a:t>Second level</a:t>
             </a:r>
           </a:p>
           <a:p>
             <a:pPr lvl="2"/>
             <a:r>
-              <a:rPr lang="en-US" smtClean="0"/>
+              <a:rPr lang="en-US"/>
               <a:t>Third level</a:t>
             </a:r>
           </a:p>
           <a:p>
             <a:pPr lvl="3"/>
             <a:r>
-              <a:rPr lang="en-US" smtClean="0"/>
+              <a:rPr lang="en-US"/>
               <a:t>Fourth level</a:t>
             </a:r>
           </a:p>
           <a:p>
             <a:pPr lvl="4"/>
             <a:r>
-              <a:rPr lang="en-US" smtClean="0"/>
+              <a:rPr lang="en-US"/>
               <a:t>Fifth level</a:t>
             </a:r>
-            <a:endParaRPr lang="en-US"/>
           </a:p>
         </p:txBody>
       </p:sp>
@@ -2692,23 +2694,23 @@
             <a:spLocks noGrp="1"/>
           </p:cNvSpPr>
           <p:nvPr>
-            <p:ph type="dt" sz="half" idx="2"/>
+            <p:ph idx="2" sz="half" type="dt"/>
           </p:nvPr>
         </p:nvSpPr>
         <p:spPr>
           <a:xfrm>
-            <a:off x="457200" y="6356350"/>
-            <a:ext cx="2133600" cy="365125"/>
+            <a:off x="457200" y="4767263"/>
+            <a:ext cx="2133600" cy="273844"/>
           </a:xfrm>
           <a:prstGeom prst="rect">
             <a:avLst/>
           </a:prstGeom>
         </p:spPr>
         <p:txBody>
-          <a:bodyPr vert="horz" lIns="91440" tIns="45720" rIns="91440" bIns="45720" rtlCol="0" anchor="ctr"/>
+          <a:bodyPr anchor="ctr" bIns="45720" lIns="91440" rIns="91440" rtlCol="0" tIns="45720" vert="horz"/>
           <a:lstStyle>
             <a:lvl1pPr algn="l">
-              <a:defRPr sz="1200">
+              <a:defRPr sz="900">
                 <a:solidFill>
                   <a:schemeClr val="tx1">
                     <a:tint val="75000"/>
@@ -2718,9 +2720,9 @@
             </a:lvl1pPr>
           </a:lstStyle>
           <a:p>
-            <a:fld id="{5BCAD085-E8A6-8845-BD4E-CB4CCA059FC4}" type="datetimeFigureOut">
+            <a:fld id="{241EB5C9-1307-BA42-ABA2-0BC069CD8E7F}" type="datetimeFigureOut">
               <a:rPr lang="en-US" smtClean="0"/>
-              <a:t>1/27/13</a:t>
+              <a:t>1/2/22</a:t>
             </a:fld>
             <a:endParaRPr lang="en-US"/>
           </a:p>
@@ -2733,23 +2735,23 @@
             <a:spLocks noGrp="1"/>
           </p:cNvSpPr>
           <p:nvPr>
-            <p:ph type="ftr" sz="quarter" idx="3"/>
+            <p:ph idx="3" sz="quarter" type="ftr"/>
           </p:nvPr>
         </p:nvSpPr>
         <p:spPr>
           <a:xfrm>
-            <a:off x="3124200" y="6356350"/>
-            <a:ext cx="2895600" cy="365125"/>
+            <a:off x="3124200" y="4767263"/>
+            <a:ext cx="2895600" cy="273844"/>
           </a:xfrm>
           <a:prstGeom prst="rect">
             <a:avLst/>
           </a:prstGeom>
         </p:spPr>
         <p:txBody>
-          <a:bodyPr vert="horz" lIns="91440" tIns="45720" rIns="91440" bIns="45720" rtlCol="0" anchor="ctr"/>
+          <a:bodyPr anchor="ctr" bIns="45720" lIns="91440" rIns="91440" rtlCol="0" tIns="45720" vert="horz"/>
           <a:lstStyle>
             <a:lvl1pPr algn="ctr">
-              <a:defRPr sz="1200">
+              <a:defRPr sz="900">
                 <a:solidFill>
                   <a:schemeClr val="tx1">
                     <a:tint val="75000"/>
@@ -2770,23 +2772,23 @@
             <a:spLocks noGrp="1"/>
           </p:cNvSpPr>
           <p:nvPr>
-            <p:ph type="sldNum" sz="quarter" idx="4"/>
+            <p:ph idx="4" sz="quarter" type="sldNum"/>
           </p:nvPr>
         </p:nvSpPr>
         <p:spPr>
           <a:xfrm>
-            <a:off x="6553200" y="6356350"/>
-            <a:ext cx="2133600" cy="365125"/>
+            <a:off x="6553200" y="4767263"/>
+            <a:ext cx="2133600" cy="273844"/>
           </a:xfrm>
           <a:prstGeom prst="rect">
             <a:avLst/>
           </a:prstGeom>
         </p:spPr>
         <p:txBody>
-          <a:bodyPr vert="horz" lIns="91440" tIns="45720" rIns="91440" bIns="45720" rtlCol="0" anchor="ctr"/>
+          <a:bodyPr anchor="ctr" bIns="45720" lIns="91440" rIns="91440" rtlCol="0" tIns="45720" vert="horz"/>
           <a:lstStyle>
             <a:lvl1pPr algn="r">
-              <a:defRPr sz="1200">
+              <a:defRPr sz="900">
                 <a:solidFill>
                   <a:schemeClr val="tx1">
                     <a:tint val="75000"/>
@@ -2796,7 +2798,7 @@
             </a:lvl1pPr>
           </a:lstStyle>
           <a:p>
-            <a:fld id="{C1FF6DA9-008F-8B48-92A6-B652298478BF}" type="slidenum">
+            <a:fld id="{C5EF2332-01BF-834F-8236-50238282D533}" type="slidenum">
               <a:rPr lang="en-US" smtClean="0"/>
               <a:t>‹#›</a:t>
             </a:fld>
@@ -2807,11 +2809,11 @@
     </p:spTree>
     <p:extLst>
       <p:ext uri="{BB962C8B-B14F-4D97-AF65-F5344CB8AC3E}">
-        <p14:creationId xmlns:p14="http://schemas.microsoft.com/office/powerpoint/2010/main" val="2209977519"/>
+        <p14:creationId xmlns:p14="http://schemas.microsoft.com/office/powerpoint/2010/main" val="3676200875"/>
       </p:ext>
     </p:extLst>
   </p:cSld>
-  <p:clrMap bg1="lt1" tx1="dk1" bg2="lt2" tx2="dk2" accent1="accent1" accent2="accent2" accent3="accent3" accent4="accent4" accent5="accent5" accent6="accent6" hlink="hlink" folHlink="folHlink"/>
+  <p:clrMap accent1="accent1" accent2="accent2" accent3="accent3" accent4="accent4" accent5="accent5" accent6="accent6" bg1="lt1" bg2="lt2" folHlink="folHlink" hlink="hlink" tx1="dk1" tx2="dk2"/>
   <p:sldLayoutIdLst>
     <p:sldLayoutId id="2147483649" r:id="rId1"/>
     <p:sldLayoutId id="2147483650" r:id="rId2"/>
@@ -2827,12 +2829,12 @@
   </p:sldLayoutIdLst>
   <p:txStyles>
     <p:titleStyle>
-      <a:lvl1pPr algn="ctr" defTabSz="457200" rtl="0" eaLnBrk="1" latinLnBrk="0" hangingPunct="1">
+      <a:lvl1pPr algn="ctr" defTabSz="342900" eaLnBrk="1" hangingPunct="1" latinLnBrk="0" rtl="0">
         <a:spcBef>
           <a:spcPct val="0"/>
         </a:spcBef>
         <a:buNone/>
-        <a:defRPr sz="4400" kern="1200">
+        <a:defRPr kern="1200" sz="3300">
           <a:solidFill>
             <a:schemeClr val="tx1"/>
           </a:solidFill>
@@ -2843,13 +2845,13 @@
       </a:lvl1pPr>
     </p:titleStyle>
     <p:bodyStyle>
-      <a:lvl1pPr marL="342900" indent="-342900" algn="l" defTabSz="457200" rtl="0" eaLnBrk="1" latinLnBrk="0" hangingPunct="1">
+      <a:lvl1pPr algn="l" defTabSz="342900" eaLnBrk="1" hangingPunct="1" indent="-342900" latinLnBrk="0" marL="342900" rtl="0">
         <a:spcBef>
           <a:spcPct val="20000"/>
         </a:spcBef>
         <a:buFont typeface="Arial"/>
         <a:buChar char="•"/>
-        <a:defRPr sz="3200" kern="1200">
+        <a:defRPr kern="1200" sz="2400">
           <a:solidFill>
             <a:schemeClr val="tx1"/>
           </a:solidFill>
@@ -2858,13 +2860,13 @@
           <a:cs typeface="+mn-cs"/>
         </a:defRPr>
       </a:lvl1pPr>
-      <a:lvl2pPr marL="742950" indent="-285750" algn="l" defTabSz="457200" rtl="0" eaLnBrk="1" latinLnBrk="0" hangingPunct="1">
+      <a:lvl2pPr algn="l" defTabSz="342900" eaLnBrk="1" hangingPunct="1" indent="-342900" latinLnBrk="0" marL="685800" rtl="0">
         <a:spcBef>
           <a:spcPct val="20000"/>
         </a:spcBef>
         <a:buFont typeface="Arial"/>
         <a:buChar char="–"/>
-        <a:defRPr sz="2800" kern="1200">
+        <a:defRPr kern="1200" sz="2100">
           <a:solidFill>
             <a:schemeClr val="tx1"/>
           </a:solidFill>
@@ -2873,13 +2875,13 @@
           <a:cs typeface="+mn-cs"/>
         </a:defRPr>
       </a:lvl2pPr>
-      <a:lvl3pPr marL="1143000" indent="-228600" algn="l" defTabSz="457200" rtl="0" eaLnBrk="1" latinLnBrk="0" hangingPunct="1">
+      <a:lvl3pPr algn="l" defTabSz="342900" eaLnBrk="1" hangingPunct="1" indent="-342900" latinLnBrk="0" marL="1028700" rtl="0">
         <a:spcBef>
           <a:spcPct val="20000"/>
         </a:spcBef>
         <a:buFont typeface="Arial"/>
         <a:buChar char="•"/>
-        <a:defRPr sz="2400" kern="1200">
+        <a:defRPr kern="1200" sz="1800">
           <a:solidFill>
             <a:schemeClr val="tx1"/>
           </a:solidFill>
@@ -2888,13 +2890,13 @@
           <a:cs typeface="+mn-cs"/>
         </a:defRPr>
       </a:lvl3pPr>
-      <a:lvl4pPr marL="1600200" indent="-228600" algn="l" defTabSz="457200" rtl="0" eaLnBrk="1" latinLnBrk="0" hangingPunct="1">
+      <a:lvl4pPr algn="l" defTabSz="342900" eaLnBrk="1" hangingPunct="1" indent="-342900" latinLnBrk="0" marL="1371600" rtl="0">
         <a:spcBef>
           <a:spcPct val="20000"/>
         </a:spcBef>
         <a:buFont typeface="Arial"/>
         <a:buChar char="–"/>
-        <a:defRPr sz="2000" kern="1200">
+        <a:defRPr kern="1200" sz="1500">
           <a:solidFill>
             <a:schemeClr val="tx1"/>
           </a:solidFill>
@@ -2903,13 +2905,13 @@
           <a:cs typeface="+mn-cs"/>
         </a:defRPr>
       </a:lvl4pPr>
-      <a:lvl5pPr marL="2057400" indent="-228600" algn="l" defTabSz="457200" rtl="0" eaLnBrk="1" latinLnBrk="0" hangingPunct="1">
+      <a:lvl5pPr algn="l" defTabSz="342900" eaLnBrk="1" hangingPunct="1" indent="-342900" latinLnBrk="0" marL="1714500" rtl="0">
         <a:spcBef>
           <a:spcPct val="20000"/>
         </a:spcBef>
         <a:buFont typeface="Arial"/>
         <a:buChar char="»"/>
-        <a:defRPr sz="2000" kern="1200">
+        <a:defRPr kern="1200" sz="1500">
           <a:solidFill>
             <a:schemeClr val="tx1"/>
           </a:solidFill>
@@ -2918,13 +2920,13 @@
           <a:cs typeface="+mn-cs"/>
         </a:defRPr>
       </a:lvl5pPr>
-      <a:lvl6pPr marL="2514600" indent="-228600" algn="l" defTabSz="457200" rtl="0" eaLnBrk="1" latinLnBrk="0" hangingPunct="1">
+      <a:lvl6pPr algn="l" defTabSz="342900" eaLnBrk="1" hangingPunct="1" indent="-342900" latinLnBrk="0" marL="2057400" rtl="0">
         <a:spcBef>
           <a:spcPct val="20000"/>
         </a:spcBef>
         <a:buFont typeface="Arial"/>
         <a:buChar char="•"/>
-        <a:defRPr sz="2000" kern="1200">
+        <a:defRPr kern="1200" sz="1500">
           <a:solidFill>
             <a:schemeClr val="tx1"/>
           </a:solidFill>
@@ -2933,13 +2935,13 @@
           <a:cs typeface="+mn-cs"/>
         </a:defRPr>
       </a:lvl6pPr>
-      <a:lvl7pPr marL="2971800" indent="-228600" algn="l" defTabSz="457200" rtl="0" eaLnBrk="1" latinLnBrk="0" hangingPunct="1">
+      <a:lvl7pPr algn="l" defTabSz="342900" eaLnBrk="1" hangingPunct="1" indent="-342900" latinLnBrk="0" marL="2400300" rtl="0">
         <a:spcBef>
           <a:spcPct val="20000"/>
         </a:spcBef>
         <a:buFont typeface="Arial"/>
         <a:buChar char="•"/>
-        <a:defRPr sz="2000" kern="1200">
+        <a:defRPr kern="1200" sz="1500">
           <a:solidFill>
             <a:schemeClr val="tx1"/>
           </a:solidFill>
@@ -2948,13 +2950,13 @@
           <a:cs typeface="+mn-cs"/>
         </a:defRPr>
       </a:lvl7pPr>
-      <a:lvl8pPr marL="3429000" indent="-228600" algn="l" defTabSz="457200" rtl="0" eaLnBrk="1" latinLnBrk="0" hangingPunct="1">
+      <a:lvl8pPr algn="l" defTabSz="342900" eaLnBrk="1" hangingPunct="1" indent="-342900" latinLnBrk="0" marL="2743200" rtl="0">
         <a:spcBef>
           <a:spcPct val="20000"/>
         </a:spcBef>
         <a:buFont typeface="Arial"/>
         <a:buChar char="•"/>
-        <a:defRPr sz="2000" kern="1200">
+        <a:defRPr kern="1200" sz="1500">
           <a:solidFill>
             <a:schemeClr val="tx1"/>
           </a:solidFill>
@@ -2963,13 +2965,13 @@
           <a:cs typeface="+mn-cs"/>
         </a:defRPr>
       </a:lvl8pPr>
-      <a:lvl9pPr marL="3886200" indent="-228600" algn="l" defTabSz="457200" rtl="0" eaLnBrk="1" latinLnBrk="0" hangingPunct="1">
+      <a:lvl9pPr algn="l" defTabSz="342900" eaLnBrk="1" hangingPunct="1" indent="-342900" latinLnBrk="0" marL="3086100" rtl="0">
         <a:spcBef>
           <a:spcPct val="20000"/>
         </a:spcBef>
         <a:buFont typeface="Arial"/>
         <a:buChar char="•"/>
-        <a:defRPr sz="2000" kern="1200">
+        <a:defRPr kern="1200" sz="1500">
           <a:solidFill>
             <a:schemeClr val="tx1"/>
           </a:solidFill>
@@ -2983,8 +2985,8 @@
       <a:defPPr>
         <a:defRPr lang="en-US"/>
       </a:defPPr>
-      <a:lvl1pPr marL="0" algn="l" defTabSz="457200" rtl="0" eaLnBrk="1" latinLnBrk="0" hangingPunct="1">
-        <a:defRPr sz="1800" kern="1200">
+      <a:lvl1pPr algn="l" defTabSz="342900" eaLnBrk="1" hangingPunct="1" latinLnBrk="0" marL="0" rtl="0">
+        <a:defRPr kern="1200" sz="1350">
           <a:solidFill>
             <a:schemeClr val="tx1"/>
           </a:solidFill>
@@ -2993,8 +2995,8 @@
           <a:cs typeface="+mn-cs"/>
         </a:defRPr>
       </a:lvl1pPr>
-      <a:lvl2pPr marL="457200" algn="l" defTabSz="457200" rtl="0" eaLnBrk="1" latinLnBrk="0" hangingPunct="1">
-        <a:defRPr sz="1800" kern="1200">
+      <a:lvl2pPr algn="l" defTabSz="342900" eaLnBrk="1" hangingPunct="1" latinLnBrk="0" marL="342900" rtl="0">
+        <a:defRPr kern="1200" sz="1350">
           <a:solidFill>
             <a:schemeClr val="tx1"/>
           </a:solidFill>
@@ -3003,8 +3005,8 @@
           <a:cs typeface="+mn-cs"/>
         </a:defRPr>
       </a:lvl2pPr>
-      <a:lvl3pPr marL="914400" algn="l" defTabSz="457200" rtl="0" eaLnBrk="1" latinLnBrk="0" hangingPunct="1">
-        <a:defRPr sz="1800" kern="1200">
+      <a:lvl3pPr algn="l" defTabSz="342900" eaLnBrk="1" hangingPunct="1" latinLnBrk="0" marL="685800" rtl="0">
+        <a:defRPr kern="1200" sz="1350">
           <a:solidFill>
             <a:schemeClr val="tx1"/>
           </a:solidFill>
@@ -3013,8 +3015,8 @@
           <a:cs typeface="+mn-cs"/>
         </a:defRPr>
       </a:lvl3pPr>
-      <a:lvl4pPr marL="1371600" algn="l" defTabSz="457200" rtl="0" eaLnBrk="1" latinLnBrk="0" hangingPunct="1">
-        <a:defRPr sz="1800" kern="1200">
+      <a:lvl4pPr algn="l" defTabSz="342900" eaLnBrk="1" hangingPunct="1" latinLnBrk="0" marL="1028700" rtl="0">
+        <a:defRPr kern="1200" sz="1350">
           <a:solidFill>
             <a:schemeClr val="tx1"/>
           </a:solidFill>
@@ -3023,8 +3025,8 @@
           <a:cs typeface="+mn-cs"/>
         </a:defRPr>
       </a:lvl4pPr>
-      <a:lvl5pPr marL="1828800" algn="l" defTabSz="457200" rtl="0" eaLnBrk="1" latinLnBrk="0" hangingPunct="1">
-        <a:defRPr sz="1800" kern="1200">
+      <a:lvl5pPr algn="l" defTabSz="342900" eaLnBrk="1" hangingPunct="1" latinLnBrk="0" marL="1371600" rtl="0">
+        <a:defRPr kern="1200" sz="1350">
           <a:solidFill>
             <a:schemeClr val="tx1"/>
           </a:solidFill>
@@ -3033,8 +3035,8 @@
           <a:cs typeface="+mn-cs"/>
         </a:defRPr>
       </a:lvl5pPr>
-      <a:lvl6pPr marL="2286000" algn="l" defTabSz="457200" rtl="0" eaLnBrk="1" latinLnBrk="0" hangingPunct="1">
-        <a:defRPr sz="1800" kern="1200">
+      <a:lvl6pPr algn="l" defTabSz="342900" eaLnBrk="1" hangingPunct="1" latinLnBrk="0" marL="1714500" rtl="0">
+        <a:defRPr kern="1200" sz="1350">
           <a:solidFill>
             <a:schemeClr val="tx1"/>
           </a:solidFill>
@@ -3043,8 +3045,8 @@
           <a:cs typeface="+mn-cs"/>
         </a:defRPr>
       </a:lvl6pPr>
-      <a:lvl7pPr marL="2743200" algn="l" defTabSz="457200" rtl="0" eaLnBrk="1" latinLnBrk="0" hangingPunct="1">
-        <a:defRPr sz="1800" kern="1200">
+      <a:lvl7pPr algn="l" defTabSz="342900" eaLnBrk="1" hangingPunct="1" latinLnBrk="0" marL="2057400" rtl="0">
+        <a:defRPr kern="1200" sz="1350">
           <a:solidFill>
             <a:schemeClr val="tx1"/>
           </a:solidFill>
@@ -3053,8 +3055,8 @@
           <a:cs typeface="+mn-cs"/>
         </a:defRPr>
       </a:lvl7pPr>
-      <a:lvl8pPr marL="3200400" algn="l" defTabSz="457200" rtl="0" eaLnBrk="1" latinLnBrk="0" hangingPunct="1">
-        <a:defRPr sz="1800" kern="1200">
+      <a:lvl8pPr algn="l" defTabSz="342900" eaLnBrk="1" hangingPunct="1" latinLnBrk="0" marL="2400300" rtl="0">
+        <a:defRPr kern="1200" sz="1350">
           <a:solidFill>
             <a:schemeClr val="tx1"/>
           </a:solidFill>
@@ -3063,8 +3065,8 @@
           <a:cs typeface="+mn-cs"/>
         </a:defRPr>
       </a:lvl8pPr>
-      <a:lvl9pPr marL="3657600" algn="l" defTabSz="457200" rtl="0" eaLnBrk="1" latinLnBrk="0" hangingPunct="1">
-        <a:defRPr sz="1800" kern="1200">
+      <a:lvl9pPr algn="l" defTabSz="342900" eaLnBrk="1" hangingPunct="1" latinLnBrk="0" marL="2743200" rtl="0">
+        <a:defRPr kern="1200" sz="1350">
           <a:solidFill>
             <a:schemeClr val="tx1"/>
           </a:solidFill>
@@ -3079,7 +3081,7 @@
 </file>
 
 <file path=ppt/slides/slide1.xml><?xml version="1.0" encoding="utf-8"?>
-<p:sld xmlns:a="http://schemas.openxmlformats.org/drawingml/2006/main" xmlns:p="http://schemas.openxmlformats.org/presentationml/2006/main" xmlns:r="http://schemas.openxmlformats.org/officeDocument/2006/relationships">
+<p:sld xmlns:a="http://schemas.openxmlformats.org/drawingml/2006/main" xmlns:r="http://schemas.openxmlformats.org/officeDocument/2006/relationships" xmlns:p="http://schemas.openxmlformats.org/presentationml/2006/main">
   <p:cSld>
     <p:spTree>
       <p:nvGrpSpPr>
@@ -3087,65 +3089,712 @@
         <p:cNvGrpSpPr/>
         <p:nvPr/>
       </p:nvGrpSpPr>
-      <p:grpSpPr/>
-      <p:sp>
-        <p:nvSpPr>
-          <p:cNvPr id="2" name="Title 1"/>
-          <p:cNvSpPr>
-            <a:spLocks noGrp="1"/>
-          </p:cNvSpPr>
-          <p:nvPr>
-            <p:ph type="title"/>
-          </p:nvPr>
-        </p:nvSpPr>
-        <p:spPr/>
-        <p:txBody>
-          <a:bodyPr/>
-          <a:lstStyle/>
-          <a:p/>
-        </p:txBody>
-      </p:sp>
-      <p:pic>
-        <p:nvPicPr>
-          <p:cNvPr id="3" name="Picture Placeholder 2" descr="header.png"/>
-          <p:cNvPicPr>
-            <a:picLocks noGrp="1" noChangeAspect="1"/>
-          </p:cNvPicPr>
-          <p:nvPr>
-            <p:ph type="pic" idx="1"/>
-          </p:nvPr>
-        </p:nvPicPr>
-        <p:blipFill>
-          <a:blip r:embed="rId2"/>
-          <a:srcRect l="32421" r="32421"/>
-          <a:stretch>
-            <a:fillRect/>
-          </a:stretch>
-        </p:blipFill>
-        <p:spPr/>
-      </p:pic>
-      <p:sp>
-        <p:nvSpPr>
-          <p:cNvPr id="4" name="Text Placeholder 3"/>
-          <p:cNvSpPr>
-            <a:spLocks noGrp="1"/>
-          </p:cNvSpPr>
-          <p:nvPr>
-            <p:ph type="body" idx="2" sz="half"/>
-          </p:nvPr>
-        </p:nvSpPr>
-        <p:spPr/>
-        <p:txBody>
-          <a:bodyPr/>
-          <a:lstStyle/>
-          <a:p/>
+      <p:grpSpPr>
+        <a:xfrm>
+          <a:off x="0" y="0"/>
+          <a:ext cx="0" cy="0"/>
+          <a:chOff x="0" y="0"/>
+          <a:chExt cx="0" cy="0"/>
+        </a:xfrm>
+      </p:grpSpPr>
+      <p:sp>
+        <p:nvSpPr>
+          <p:cNvPr id="3" name="Content Placeholder 2"/>
+          <p:cNvSpPr>
+            <a:spLocks noGrp="1"/>
+          </p:cNvSpPr>
+          <p:nvPr>
+            <p:ph idx="1"/>
+          </p:nvPr>
+        </p:nvSpPr>
+        <p:spPr/>
+        <p:txBody>
+          <a:bodyPr/>
+          <a:lstStyle/>
+          <a:p>
+            <a:pPr lvl="0"/>
+            <a:r>
+              <a:rPr/>
+              <a:t>7 minutes</a:t>
+            </a:r>
+          </a:p>
+          <a:p>
+            <a:pPr lvl="0" indent="0" marL="0">
+              <a:buNone/>
+            </a:pPr>
+            <a:r>
+              <a:rPr/>
+              <a:t>In Azure Active Directory (Azure AD), all user accounts are granted a set of default permissions. A user’s account access consists of the type of user, their role assignments, and their ownership of individual objects.</a:t>
+            </a:r>
+          </a:p>
+          <a:p>
+            <a:pPr lvl="0" indent="0" marL="0">
+              <a:buNone/>
+            </a:pPr>
+            <a:r>
+              <a:rPr/>
+              <a:t>There are different types of user accounts in Azure AD. Each type has a level of access specific to the scope of work expected to be done under each type of user account. Administrators have the highest level of access, followed by the member user accounts in the Azure AD organization. Guest users have the most restricted level of access.</a:t>
+            </a:r>
+          </a:p>
         </p:txBody>
       </p:sp>
     </p:spTree>
   </p:cSld>
-  <p:clrMapOvr>
-    <a:masterClrMapping/>
-  </p:clrMapOvr>
+</p:sld>
+</file>
+
+<file path=ppt/slides/slide2.xml><?xml version="1.0" encoding="utf-8"?>
+<p:sld xmlns:a="http://schemas.openxmlformats.org/drawingml/2006/main" xmlns:r="http://schemas.openxmlformats.org/officeDocument/2006/relationships" xmlns:p="http://schemas.openxmlformats.org/presentationml/2006/main">
+  <p:cSld>
+    <p:spTree>
+      <p:nvGrpSpPr>
+        <p:cNvPr id="1" name=""/>
+        <p:cNvGrpSpPr/>
+        <p:nvPr/>
+      </p:nvGrpSpPr>
+      <p:grpSpPr>
+        <a:xfrm>
+          <a:off x="0" y="0"/>
+          <a:ext cx="0" cy="0"/>
+          <a:chOff x="0" y="0"/>
+          <a:chExt cx="0" cy="0"/>
+        </a:xfrm>
+      </p:grpSpPr>
+      <p:sp>
+        <p:nvSpPr>
+          <p:cNvPr id="2" name="Title 1"/>
+          <p:cNvSpPr>
+            <a:spLocks noGrp="1"/>
+          </p:cNvSpPr>
+          <p:nvPr>
+            <p:ph type="title"/>
+          </p:nvPr>
+        </p:nvSpPr>
+        <p:spPr/>
+        <p:txBody>
+          <a:bodyPr/>
+          <a:lstStyle/>
+          <a:p>
+            <a:pPr lvl="0" indent="0" marL="0">
+              <a:buNone/>
+            </a:pPr>
+            <a:r>
+              <a:rPr/>
+              <a:t>Permissions and roles</a:t>
+            </a:r>
+          </a:p>
+        </p:txBody>
+      </p:sp>
+      <p:sp>
+        <p:nvSpPr>
+          <p:cNvPr id="3" name="Content Placeholder 2"/>
+          <p:cNvSpPr>
+            <a:spLocks noGrp="1"/>
+          </p:cNvSpPr>
+          <p:nvPr>
+            <p:ph idx="1"/>
+          </p:nvPr>
+        </p:nvSpPr>
+        <p:spPr/>
+        <p:txBody>
+          <a:bodyPr/>
+          <a:lstStyle/>
+          <a:p>
+            <a:pPr lvl="0" indent="0" marL="0">
+              <a:buNone/>
+            </a:pPr>
+            <a:r>
+              <a:rPr/>
+              <a:t>Azure AD uses permissions to help you control the access rights a user or group is granted. This is done through roles. Azure AD has many roles with different permissions attached to them. When a user is assigned a specific role, they inherit permissions from that role. For example, a user assigned to the User Administrator role can create and delete user accounts.</a:t>
+            </a:r>
+          </a:p>
+          <a:p>
+            <a:pPr lvl="0" indent="0" marL="0">
+              <a:buNone/>
+            </a:pPr>
+            <a:r>
+              <a:rPr/>
+              <a:t>Understanding when to assign the correct type of role to the right user is a fundamental and crucial step in maintaining privacy and security compliance. If the wrong role is assigned to the wrong user, the permissions that come with that role can allow the user to cause serious damage to an organization.</a:t>
+            </a:r>
+          </a:p>
+        </p:txBody>
+      </p:sp>
+    </p:spTree>
+  </p:cSld>
+</p:sld>
+</file>
+
+<file path=ppt/slides/slide3.xml><?xml version="1.0" encoding="utf-8"?>
+<p:sld xmlns:a="http://schemas.openxmlformats.org/drawingml/2006/main" xmlns:r="http://schemas.openxmlformats.org/officeDocument/2006/relationships" xmlns:p="http://schemas.openxmlformats.org/presentationml/2006/main">
+  <p:cSld>
+    <p:spTree>
+      <p:nvGrpSpPr>
+        <p:cNvPr id="1" name=""/>
+        <p:cNvGrpSpPr/>
+        <p:nvPr/>
+      </p:nvGrpSpPr>
+      <p:grpSpPr>
+        <a:xfrm>
+          <a:off x="0" y="0"/>
+          <a:ext cx="0" cy="0"/>
+          <a:chOff x="0" y="0"/>
+          <a:chExt cx="0" cy="0"/>
+        </a:xfrm>
+      </p:grpSpPr>
+      <p:sp>
+        <p:nvSpPr>
+          <p:cNvPr id="2" name="Title 1"/>
+          <p:cNvSpPr>
+            <a:spLocks noGrp="1"/>
+          </p:cNvSpPr>
+          <p:nvPr>
+            <p:ph type="title"/>
+          </p:nvPr>
+        </p:nvSpPr>
+        <p:spPr/>
+        <p:txBody>
+          <a:bodyPr/>
+          <a:lstStyle/>
+          <a:p>
+            <a:pPr lvl="0" indent="0" marL="0">
+              <a:buNone/>
+            </a:pPr>
+            <a:r>
+              <a:rPr/>
+              <a:t>Administrator roles</a:t>
+            </a:r>
+          </a:p>
+        </p:txBody>
+      </p:sp>
+      <p:sp>
+        <p:nvSpPr>
+          <p:cNvPr id="3" name="Content Placeholder 2"/>
+          <p:cNvSpPr>
+            <a:spLocks noGrp="1"/>
+          </p:cNvSpPr>
+          <p:nvPr>
+            <p:ph idx="1"/>
+          </p:nvPr>
+        </p:nvSpPr>
+        <p:spPr/>
+        <p:txBody>
+          <a:bodyPr/>
+          <a:lstStyle/>
+          <a:p>
+            <a:pPr lvl="0" indent="0" marL="0">
+              <a:buNone/>
+            </a:pPr>
+            <a:r>
+              <a:rPr/>
+              <a:t>Administrator roles in Azure AD allow users elevated access to control who is allowed to do what. You assign these roles to a limited group of users to manage identity tasks in an Azure AD organization. You can assign administrator roles that allow a user to create or edit users, assign administrative roles to others, reset user passwords, manage user licenses, and more.</a:t>
+            </a:r>
+          </a:p>
+          <a:p>
+            <a:pPr lvl="0" indent="0" marL="0">
+              <a:buNone/>
+            </a:pPr>
+            <a:r>
+              <a:rPr/>
+              <a:t>If your user account has the User Administrator or Global Administrator role, you can create a new user in Azure AD by using either the Azure portal, the Azure CLI, or PowerShell. In PowerShell, run the cmdlet </a:t>
+            </a:r>
+            <a:r>
+              <a:rPr>
+                <a:latin typeface="Courier"/>
+              </a:rPr>
+              <a:t>New-AzureADUser</a:t>
+            </a:r>
+            <a:r>
+              <a:rPr/>
+              <a:t>. In the Azure CLI, use </a:t>
+            </a:r>
+            <a:r>
+              <a:rPr>
+                <a:latin typeface="Courier"/>
+              </a:rPr>
+              <a:t>az ad user create</a:t>
+            </a:r>
+            <a:r>
+              <a:rPr/>
+              <a:t>.</a:t>
+            </a:r>
+          </a:p>
+        </p:txBody>
+      </p:sp>
+    </p:spTree>
+  </p:cSld>
+</p:sld>
+</file>
+
+<file path=ppt/slides/slide4.xml><?xml version="1.0" encoding="utf-8"?>
+<p:sld xmlns:a="http://schemas.openxmlformats.org/drawingml/2006/main" xmlns:r="http://schemas.openxmlformats.org/officeDocument/2006/relationships" xmlns:p="http://schemas.openxmlformats.org/presentationml/2006/main">
+  <p:cSld>
+    <p:spTree>
+      <p:nvGrpSpPr>
+        <p:cNvPr id="1" name=""/>
+        <p:cNvGrpSpPr/>
+        <p:nvPr/>
+      </p:nvGrpSpPr>
+      <p:grpSpPr>
+        <a:xfrm>
+          <a:off x="0" y="0"/>
+          <a:ext cx="0" cy="0"/>
+          <a:chOff x="0" y="0"/>
+          <a:chExt cx="0" cy="0"/>
+        </a:xfrm>
+      </p:grpSpPr>
+      <p:sp>
+        <p:nvSpPr>
+          <p:cNvPr id="2" name="Title 1"/>
+          <p:cNvSpPr>
+            <a:spLocks noGrp="1"/>
+          </p:cNvSpPr>
+          <p:nvPr>
+            <p:ph type="title"/>
+          </p:nvPr>
+        </p:nvSpPr>
+        <p:spPr/>
+        <p:txBody>
+          <a:bodyPr/>
+          <a:lstStyle/>
+          <a:p>
+            <a:pPr lvl="0" indent="0" marL="0">
+              <a:buNone/>
+            </a:pPr>
+            <a:r>
+              <a:rPr/>
+              <a:t>Member users</a:t>
+            </a:r>
+          </a:p>
+        </p:txBody>
+      </p:sp>
+      <p:sp>
+        <p:nvSpPr>
+          <p:cNvPr id="3" name="Content Placeholder 2"/>
+          <p:cNvSpPr>
+            <a:spLocks noGrp="1"/>
+          </p:cNvSpPr>
+          <p:nvPr>
+            <p:ph idx="1"/>
+          </p:nvPr>
+        </p:nvSpPr>
+        <p:spPr/>
+        <p:txBody>
+          <a:bodyPr/>
+          <a:lstStyle/>
+          <a:p>
+            <a:pPr lvl="0" indent="0" marL="0">
+              <a:buNone/>
+            </a:pPr>
+            <a:r>
+              <a:rPr/>
+              <a:t>A member user account is a native member of the Azure AD organization that has a set of default permissions like being able to manage their profile information. When someone new joins your organization, they typically have this type of account created for them.</a:t>
+            </a:r>
+          </a:p>
+          <a:p>
+            <a:pPr lvl="0" indent="0" marL="0">
+              <a:buNone/>
+            </a:pPr>
+            <a:r>
+              <a:rPr/>
+              <a:t>Anyone who isn’t a guest user or isn’t assigned an administrator role falls into this type. A member user is meant for users who are considered internal to an organization and are members of the Azure AD organization. However, these users shouldn’t be able to manage other users by, for example, creating and deleting users. Member users don’t have the same restrictions that are typically placed on guest users.</a:t>
+            </a:r>
+          </a:p>
+        </p:txBody>
+      </p:sp>
+    </p:spTree>
+  </p:cSld>
+</p:sld>
+</file>
+
+<file path=ppt/slides/slide5.xml><?xml version="1.0" encoding="utf-8"?>
+<p:sld xmlns:a="http://schemas.openxmlformats.org/drawingml/2006/main" xmlns:r="http://schemas.openxmlformats.org/officeDocument/2006/relationships" xmlns:p="http://schemas.openxmlformats.org/presentationml/2006/main">
+  <p:cSld>
+    <p:spTree>
+      <p:nvGrpSpPr>
+        <p:cNvPr id="1" name=""/>
+        <p:cNvGrpSpPr/>
+        <p:nvPr/>
+      </p:nvGrpSpPr>
+      <p:grpSpPr>
+        <a:xfrm>
+          <a:off x="0" y="0"/>
+          <a:ext cx="0" cy="0"/>
+          <a:chOff x="0" y="0"/>
+          <a:chExt cx="0" cy="0"/>
+        </a:xfrm>
+      </p:grpSpPr>
+      <p:sp>
+        <p:nvSpPr>
+          <p:cNvPr id="2" name="Title 1"/>
+          <p:cNvSpPr>
+            <a:spLocks noGrp="1"/>
+          </p:cNvSpPr>
+          <p:nvPr>
+            <p:ph type="title"/>
+          </p:nvPr>
+        </p:nvSpPr>
+        <p:spPr/>
+        <p:txBody>
+          <a:bodyPr/>
+          <a:lstStyle/>
+          <a:p>
+            <a:pPr lvl="0" indent="0" marL="0">
+              <a:buNone/>
+            </a:pPr>
+            <a:r>
+              <a:rPr/>
+              <a:t>Guest users</a:t>
+            </a:r>
+          </a:p>
+        </p:txBody>
+      </p:sp>
+      <p:sp>
+        <p:nvSpPr>
+          <p:cNvPr id="3" name="Content Placeholder 2"/>
+          <p:cNvSpPr>
+            <a:spLocks noGrp="1"/>
+          </p:cNvSpPr>
+          <p:nvPr>
+            <p:ph idx="1"/>
+          </p:nvPr>
+        </p:nvSpPr>
+        <p:spPr/>
+        <p:txBody>
+          <a:bodyPr/>
+          <a:lstStyle/>
+          <a:p>
+            <a:pPr lvl="0" indent="0" marL="0">
+              <a:buNone/>
+            </a:pPr>
+            <a:r>
+              <a:rPr/>
+              <a:t>Guest users have restricted Azure AD organization permissions. When you invite someone to collaborate with your organization, you add them to your Azure AD organization as a guest user. Then you can either send an invitation email that contains a redemption link or send a direct link to an app you want to share. Guest users sign in with their own work, school, or social identities. By default, Azure AD member users can invite guest users. This default can be disabled by someone who has the User Administrator role.</a:t>
+            </a:r>
+          </a:p>
+          <a:p>
+            <a:pPr lvl="0" indent="0" marL="0">
+              <a:buNone/>
+            </a:pPr>
+            <a:r>
+              <a:rPr/>
+              <a:t>Your organization might need to work with an external partner. To collaborate with your organization, these partners often need to have a certain level of access to specific resources. For this sort of situation, it’s a good idea to use guest user accounts. You’ll then make sure partners have the right level of access to do their work, without having a higher level of access than they need.</a:t>
+            </a:r>
+          </a:p>
+        </p:txBody>
+      </p:sp>
+    </p:spTree>
+  </p:cSld>
+</p:sld>
+</file>
+
+<file path=ppt/slides/slide6.xml><?xml version="1.0" encoding="utf-8"?>
+<p:sld xmlns:a="http://schemas.openxmlformats.org/drawingml/2006/main" xmlns:r="http://schemas.openxmlformats.org/officeDocument/2006/relationships" xmlns:p="http://schemas.openxmlformats.org/presentationml/2006/main">
+  <p:cSld>
+    <p:spTree>
+      <p:nvGrpSpPr>
+        <p:cNvPr id="1" name=""/>
+        <p:cNvGrpSpPr/>
+        <p:nvPr/>
+      </p:nvGrpSpPr>
+      <p:grpSpPr>
+        <a:xfrm>
+          <a:off x="0" y="0"/>
+          <a:ext cx="0" cy="0"/>
+          <a:chOff x="0" y="0"/>
+          <a:chExt cx="0" cy="0"/>
+        </a:xfrm>
+      </p:grpSpPr>
+      <p:sp>
+        <p:nvSpPr>
+          <p:cNvPr id="2" name="Title 1"/>
+          <p:cNvSpPr>
+            <a:spLocks noGrp="1"/>
+          </p:cNvSpPr>
+          <p:nvPr>
+            <p:ph type="title"/>
+          </p:nvPr>
+        </p:nvSpPr>
+        <p:spPr/>
+        <p:txBody>
+          <a:bodyPr/>
+          <a:lstStyle/>
+          <a:p>
+            <a:pPr lvl="0" indent="0" marL="0">
+              <a:buNone/>
+            </a:pPr>
+            <a:r>
+              <a:rPr/>
+              <a:t>Add user accounts</a:t>
+            </a:r>
+          </a:p>
+        </p:txBody>
+      </p:sp>
+      <p:sp>
+        <p:nvSpPr>
+          <p:cNvPr id="3" name="Content Placeholder 2"/>
+          <p:cNvSpPr>
+            <a:spLocks noGrp="1"/>
+          </p:cNvSpPr>
+          <p:nvPr>
+            <p:ph idx="1"/>
+          </p:nvPr>
+        </p:nvSpPr>
+        <p:spPr/>
+        <p:txBody>
+          <a:bodyPr/>
+          <a:lstStyle/>
+          <a:p>
+            <a:pPr lvl="0" indent="0" marL="0">
+              <a:buNone/>
+            </a:pPr>
+            <a:r>
+              <a:rPr/>
+              <a:t>You can add individual user accounts through the Azure portal, Azure PowerShell, or the Azure CLI.</a:t>
+            </a:r>
+          </a:p>
+          <a:p>
+            <a:pPr lvl="0" indent="0" marL="0">
+              <a:buNone/>
+            </a:pPr>
+            <a:r>
+              <a:rPr/>
+              <a:t>If you want to use the Azure CLI, run the following cmdlet:</a:t>
+            </a:r>
+          </a:p>
+          <a:p>
+            <a:pPr lvl="0" indent="0">
+              <a:buNone/>
+            </a:pPr>
+            <a:r>
+              <a:rPr>
+                <a:latin typeface="Courier"/>
+              </a:rPr>
+              <a:t># create a new user
+az ad user create</a:t>
+            </a:r>
+          </a:p>
+          <a:p>
+            <a:pPr lvl="0" indent="0" marL="0">
+              <a:buNone/>
+            </a:pPr>
+            <a:r>
+              <a:rPr/>
+              <a:t>This command creates a new user by using the Azure CLI.</a:t>
+            </a:r>
+          </a:p>
+          <a:p>
+            <a:pPr lvl="0" indent="0" marL="0">
+              <a:buNone/>
+            </a:pPr>
+            <a:r>
+              <a:rPr/>
+              <a:t>For Azure PowerShell, run the following cmdlet:</a:t>
+            </a:r>
+          </a:p>
+          <a:p>
+            <a:pPr lvl="0" indent="0">
+              <a:buNone/>
+            </a:pPr>
+            <a:r>
+              <a:rPr>
+                <a:latin typeface="Courier"/>
+              </a:rPr>
+              <a:t># create a new user
+New-AzureADUser</a:t>
+            </a:r>
+          </a:p>
+          <a:p>
+            <a:pPr lvl="0" indent="0" marL="0">
+              <a:buNone/>
+            </a:pPr>
+            <a:r>
+              <a:rPr/>
+              <a:t>You can bulk create member users and guests accounts. The following example shows how to bulk invite guest users.</a:t>
+            </a:r>
+          </a:p>
+          <a:p>
+            <a:pPr lvl="0" indent="0">
+              <a:buNone/>
+            </a:pPr>
+            <a:r>
+              <a:rPr>
+                <a:latin typeface="Courier"/>
+              </a:rPr>
+              <a:t>$invitations = import-csv c:\bulkinvite\invitations.csv
+$messageInfo = New-Object Microsoft.Open.MSGraph.Model.InvitedUserMessageInfo
+$messageInfo.customizedMessageBody = "Hello. You are invited to the Contoso organization."
+foreach ($email in $invitations)
+   {New-AzureADMSInvitation `
+      -InvitedUserEmailAddress $email.InvitedUserEmailAddress `
+      -InvitedUserDisplayName $email.Name `
+      -InviteRedirectUrl https://myapps.microsoft.com `
+      -InvitedUserMessageInfo $messageInfo `
+      -SendInvitationMessage $true
+   }
+</a:t>
+            </a:r>
+          </a:p>
+          <a:p>
+            <a:pPr lvl="0" indent="0" marL="0">
+              <a:buNone/>
+            </a:pPr>
+            <a:r>
+              <a:rPr/>
+              <a:t>You create the comma-separated values (CSV) file with the list of all the users you want to add. An invitation is sent to each user in that CSV file.</a:t>
+            </a:r>
+          </a:p>
+        </p:txBody>
+      </p:sp>
+    </p:spTree>
+  </p:cSld>
+</p:sld>
+</file>
+
+<file path=ppt/slides/slide7.xml><?xml version="1.0" encoding="utf-8"?>
+<p:sld xmlns:a="http://schemas.openxmlformats.org/drawingml/2006/main" xmlns:r="http://schemas.openxmlformats.org/officeDocument/2006/relationships" xmlns:p="http://schemas.openxmlformats.org/presentationml/2006/main">
+  <p:cSld>
+    <p:spTree>
+      <p:nvGrpSpPr>
+        <p:cNvPr id="1" name=""/>
+        <p:cNvGrpSpPr/>
+        <p:nvPr/>
+      </p:nvGrpSpPr>
+      <p:grpSpPr>
+        <a:xfrm>
+          <a:off x="0" y="0"/>
+          <a:ext cx="0" cy="0"/>
+          <a:chOff x="0" y="0"/>
+          <a:chExt cx="0" cy="0"/>
+        </a:xfrm>
+      </p:grpSpPr>
+      <p:sp>
+        <p:nvSpPr>
+          <p:cNvPr id="2" name="Title 1"/>
+          <p:cNvSpPr>
+            <a:spLocks noGrp="1"/>
+          </p:cNvSpPr>
+          <p:nvPr>
+            <p:ph type="title"/>
+          </p:nvPr>
+        </p:nvSpPr>
+        <p:spPr/>
+        <p:txBody>
+          <a:bodyPr/>
+          <a:lstStyle/>
+          <a:p>
+            <a:pPr lvl="0" indent="0" marL="0">
+              <a:buNone/>
+            </a:pPr>
+            <a:r>
+              <a:rPr/>
+              <a:t>Delete user accounts</a:t>
+            </a:r>
+          </a:p>
+        </p:txBody>
+      </p:sp>
+      <p:sp>
+        <p:nvSpPr>
+          <p:cNvPr id="3" name="Content Placeholder 2"/>
+          <p:cNvSpPr>
+            <a:spLocks noGrp="1"/>
+          </p:cNvSpPr>
+          <p:nvPr>
+            <p:ph idx="1"/>
+          </p:nvPr>
+        </p:nvSpPr>
+        <p:spPr/>
+        <p:txBody>
+          <a:bodyPr/>
+          <a:lstStyle/>
+          <a:p>
+            <a:pPr lvl="0" indent="0" marL="0">
+              <a:buNone/>
+            </a:pPr>
+            <a:r>
+              <a:rPr/>
+              <a:t>You can also delete user accounts through the Azure portal, Azure PowerShell, or the Azure CLI. In PowerShell, run the cmdlet </a:t>
+            </a:r>
+            <a:r>
+              <a:rPr>
+                <a:latin typeface="Courier"/>
+              </a:rPr>
+              <a:t>Remove-AzureADUser</a:t>
+            </a:r>
+            <a:r>
+              <a:rPr/>
+              <a:t>. In the Azure CLI, run the cmdlet </a:t>
+            </a:r>
+            <a:r>
+              <a:rPr>
+                <a:latin typeface="Courier"/>
+              </a:rPr>
+              <a:t>az ad user delete</a:t>
+            </a:r>
+            <a:r>
+              <a:rPr/>
+              <a:t>.</a:t>
+            </a:r>
+          </a:p>
+          <a:p>
+            <a:pPr lvl="0" indent="0" marL="0">
+              <a:buNone/>
+            </a:pPr>
+            <a:r>
+              <a:rPr/>
+              <a:t>When you delete a user, the account remains in a suspended state for 30 days. During that 30-day window, the user account can be restored.</a:t>
+            </a:r>
+          </a:p>
+        </p:txBody>
+      </p:sp>
+    </p:spTree>
+  </p:cSld>
+</p:sld>
+</file>
+
+<file path=ppt/slides/slide8.xml><?xml version="1.0" encoding="utf-8"?>
+<p:sld xmlns:a="http://schemas.openxmlformats.org/drawingml/2006/main" xmlns:r="http://schemas.openxmlformats.org/officeDocument/2006/relationships" xmlns:p="http://schemas.openxmlformats.org/presentationml/2006/main">
+  <p:cSld>
+    <p:spTree>
+      <p:nvGrpSpPr>
+        <p:cNvPr id="1" name=""/>
+        <p:cNvGrpSpPr/>
+        <p:nvPr/>
+      </p:nvGrpSpPr>
+      <p:grpSpPr>
+        <a:xfrm>
+          <a:off x="0" y="0"/>
+          <a:ext cx="0" cy="0"/>
+          <a:chOff x="0" y="0"/>
+          <a:chExt cx="0" cy="0"/>
+        </a:xfrm>
+      </p:grpSpPr>
+      <p:sp>
+        <p:nvSpPr>
+          <p:cNvPr id="2" name="Title 1"/>
+          <p:cNvSpPr>
+            <a:spLocks noGrp="1"/>
+          </p:cNvSpPr>
+          <p:nvPr>
+            <p:ph type="title"/>
+          </p:nvPr>
+        </p:nvSpPr>
+        <p:spPr/>
+        <p:txBody>
+          <a:bodyPr/>
+          <a:lstStyle/>
+          <a:p>
+            <a:pPr lvl="0" indent="0" marL="0">
+              <a:buNone/>
+            </a:pPr>
+            <a:r>
+              <a:rPr/>
+              <a:t>Check your knowledge</a:t>
+            </a:r>
+          </a:p>
+        </p:txBody>
+      </p:sp>
+    </p:spTree>
+  </p:cSld>
 </p:sld>
 </file>
 
@@ -3467,4 +4116,265 @@
   </a:objectDefaults>
   <a:extraClrSchemeLst/>
 </a:theme>
+</file>
+
+<file path=ppt/theme/theme2.xml><?xml version="1.0" encoding="utf-8"?>
+<a:theme xmlns:a="http://schemas.openxmlformats.org/drawingml/2006/main" name="Office Theme">
+  <a:themeElements>
+    <a:clrScheme name="Office">
+      <a:dk1>
+        <a:sysClr val="windowText" lastClr="000000"/>
+      </a:dk1>
+      <a:lt1>
+        <a:sysClr val="window" lastClr="FFFFFF"/>
+      </a:lt1>
+      <a:dk2>
+        <a:srgbClr val="44546A"/>
+      </a:dk2>
+      <a:lt2>
+        <a:srgbClr val="E7E6E6"/>
+      </a:lt2>
+      <a:accent1>
+        <a:srgbClr val="5B9BD5"/>
+      </a:accent1>
+      <a:accent2>
+        <a:srgbClr val="ED7D31"/>
+      </a:accent2>
+      <a:accent3>
+        <a:srgbClr val="A5A5A5"/>
+      </a:accent3>
+      <a:accent4>
+        <a:srgbClr val="FFC000"/>
+      </a:accent4>
+      <a:accent5>
+        <a:srgbClr val="4472C4"/>
+      </a:accent5>
+      <a:accent6>
+        <a:srgbClr val="70AD47"/>
+      </a:accent6>
+      <a:hlink>
+        <a:srgbClr val="0563C1"/>
+      </a:hlink>
+      <a:folHlink>
+        <a:srgbClr val="954F72"/>
+      </a:folHlink>
+    </a:clrScheme>
+    <a:fontScheme name="Office">
+      <a:majorFont>
+        <a:latin typeface="Calibri Light" panose="020F0302020204030204"/>
+        <a:ea typeface=""/>
+        <a:cs typeface=""/>
+        <a:font script="Jpan" typeface="ＭＳ Ｐゴシック"/>
+        <a:font script="Hang" typeface="맑은 고딕"/>
+        <a:font script="Hans" typeface="宋体"/>
+        <a:font script="Hant" typeface="新細明體"/>
+        <a:font script="Arab" typeface="Times New Roman"/>
+        <a:font script="Hebr" typeface="Times New Roman"/>
+        <a:font script="Thai" typeface="Angsana New"/>
+        <a:font script="Ethi" typeface="Nyala"/>
+        <a:font script="Beng" typeface="Vrinda"/>
+        <a:font script="Gujr" typeface="Shruti"/>
+        <a:font script="Khmr" typeface="MoolBoran"/>
+        <a:font script="Knda" typeface="Tunga"/>
+        <a:font script="Guru" typeface="Raavi"/>
+        <a:font script="Cans" typeface="Euphemia"/>
+        <a:font script="Cher" typeface="Plantagenet Cherokee"/>
+        <a:font script="Yiii" typeface="Microsoft Yi Baiti"/>
+        <a:font script="Tibt" typeface="Microsoft Himalaya"/>
+        <a:font script="Thaa" typeface="MV Boli"/>
+        <a:font script="Deva" typeface="Mangal"/>
+        <a:font script="Telu" typeface="Gautami"/>
+        <a:font script="Taml" typeface="Latha"/>
+        <a:font script="Syrc" typeface="Estrangelo Edessa"/>
+        <a:font script="Orya" typeface="Kalinga"/>
+        <a:font script="Mlym" typeface="Kartika"/>
+        <a:font script="Laoo" typeface="DokChampa"/>
+        <a:font script="Sinh" typeface="Iskoola Pota"/>
+        <a:font script="Mong" typeface="Mongolian Baiti"/>
+        <a:font script="Viet" typeface="Times New Roman"/>
+        <a:font script="Uigh" typeface="Microsoft Uighur"/>
+        <a:font script="Geor" typeface="Sylfaen"/>
+      </a:majorFont>
+      <a:minorFont>
+        <a:latin typeface="Calibri" panose="020F0502020204030204"/>
+        <a:ea typeface=""/>
+        <a:cs typeface=""/>
+        <a:font script="Jpan" typeface="ＭＳ Ｐゴシック"/>
+        <a:font script="Hang" typeface="맑은 고딕"/>
+        <a:font script="Hans" typeface="宋体"/>
+        <a:font script="Hant" typeface="新細明體"/>
+        <a:font script="Arab" typeface="Arial"/>
+        <a:font script="Hebr" typeface="Arial"/>
+        <a:font script="Thai" typeface="Cordia New"/>
+        <a:font script="Ethi" typeface="Nyala"/>
+        <a:font script="Beng" typeface="Vrinda"/>
+        <a:font script="Gujr" typeface="Shruti"/>
+        <a:font script="Khmr" typeface="DaunPenh"/>
+        <a:font script="Knda" typeface="Tunga"/>
+        <a:font script="Guru" typeface="Raavi"/>
+        <a:font script="Cans" typeface="Euphemia"/>
+        <a:font script="Cher" typeface="Plantagenet Cherokee"/>
+        <a:font script="Yiii" typeface="Microsoft Yi Baiti"/>
+        <a:font script="Tibt" typeface="Microsoft Himalaya"/>
+        <a:font script="Thaa" typeface="MV Boli"/>
+        <a:font script="Deva" typeface="Mangal"/>
+        <a:font script="Telu" typeface="Gautami"/>
+        <a:font script="Taml" typeface="Latha"/>
+        <a:font script="Syrc" typeface="Estrangelo Edessa"/>
+        <a:font script="Orya" typeface="Kalinga"/>
+        <a:font script="Mlym" typeface="Kartika"/>
+        <a:font script="Laoo" typeface="DokChampa"/>
+        <a:font script="Sinh" typeface="Iskoola Pota"/>
+        <a:font script="Mong" typeface="Mongolian Baiti"/>
+        <a:font script="Viet" typeface="Arial"/>
+        <a:font script="Uigh" typeface="Microsoft Uighur"/>
+        <a:font script="Geor" typeface="Sylfaen"/>
+      </a:minorFont>
+    </a:fontScheme>
+    <a:fmtScheme name="Office">
+      <a:fillStyleLst>
+        <a:solidFill>
+          <a:schemeClr val="phClr"/>
+        </a:solidFill>
+        <a:gradFill rotWithShape="1">
+          <a:gsLst>
+            <a:gs pos="0">
+              <a:schemeClr val="phClr">
+                <a:lumMod val="110000"/>
+                <a:satMod val="105000"/>
+                <a:tint val="67000"/>
+              </a:schemeClr>
+            </a:gs>
+            <a:gs pos="50000">
+              <a:schemeClr val="phClr">
+                <a:lumMod val="105000"/>
+                <a:satMod val="103000"/>
+                <a:tint val="73000"/>
+              </a:schemeClr>
+            </a:gs>
+            <a:gs pos="100000">
+              <a:schemeClr val="phClr">
+                <a:lumMod val="105000"/>
+                <a:satMod val="109000"/>
+                <a:tint val="81000"/>
+              </a:schemeClr>
+            </a:gs>
+          </a:gsLst>
+          <a:lin ang="5400000" scaled="0"/>
+        </a:gradFill>
+        <a:gradFill rotWithShape="1">
+          <a:gsLst>
+            <a:gs pos="0">
+              <a:schemeClr val="phClr">
+                <a:satMod val="103000"/>
+                <a:lumMod val="102000"/>
+                <a:tint val="94000"/>
+              </a:schemeClr>
+            </a:gs>
+            <a:gs pos="50000">
+              <a:schemeClr val="phClr">
+                <a:satMod val="110000"/>
+                <a:lumMod val="100000"/>
+                <a:shade val="100000"/>
+              </a:schemeClr>
+            </a:gs>
+            <a:gs pos="100000">
+              <a:schemeClr val="phClr">
+                <a:lumMod val="99000"/>
+                <a:satMod val="120000"/>
+                <a:shade val="78000"/>
+              </a:schemeClr>
+            </a:gs>
+          </a:gsLst>
+          <a:lin ang="5400000" scaled="0"/>
+        </a:gradFill>
+      </a:fillStyleLst>
+      <a:lnStyleLst>
+        <a:ln w="6350" cap="flat" cmpd="sng" algn="ctr">
+          <a:solidFill>
+            <a:schemeClr val="phClr"/>
+          </a:solidFill>
+          <a:prstDash val="solid"/>
+          <a:miter lim="800000"/>
+        </a:ln>
+        <a:ln w="12700" cap="flat" cmpd="sng" algn="ctr">
+          <a:solidFill>
+            <a:schemeClr val="phClr"/>
+          </a:solidFill>
+          <a:prstDash val="solid"/>
+          <a:miter lim="800000"/>
+        </a:ln>
+        <a:ln w="19050" cap="flat" cmpd="sng" algn="ctr">
+          <a:solidFill>
+            <a:schemeClr val="phClr"/>
+          </a:solidFill>
+          <a:prstDash val="solid"/>
+          <a:miter lim="800000"/>
+        </a:ln>
+      </a:lnStyleLst>
+      <a:effectStyleLst>
+        <a:effectStyle>
+          <a:effectLst/>
+        </a:effectStyle>
+        <a:effectStyle>
+          <a:effectLst/>
+        </a:effectStyle>
+        <a:effectStyle>
+          <a:effectLst>
+            <a:outerShdw blurRad="57150" dist="19050" dir="5400000" algn="ctr" rotWithShape="0">
+              <a:srgbClr val="000000">
+                <a:alpha val="63000"/>
+              </a:srgbClr>
+            </a:outerShdw>
+          </a:effectLst>
+        </a:effectStyle>
+      </a:effectStyleLst>
+      <a:bgFillStyleLst>
+        <a:solidFill>
+          <a:schemeClr val="phClr"/>
+        </a:solidFill>
+        <a:solidFill>
+          <a:schemeClr val="phClr">
+            <a:tint val="95000"/>
+            <a:satMod val="170000"/>
+          </a:schemeClr>
+        </a:solidFill>
+        <a:gradFill rotWithShape="1">
+          <a:gsLst>
+            <a:gs pos="0">
+              <a:schemeClr val="phClr">
+                <a:tint val="93000"/>
+                <a:satMod val="150000"/>
+                <a:shade val="98000"/>
+                <a:lumMod val="102000"/>
+              </a:schemeClr>
+            </a:gs>
+            <a:gs pos="50000">
+              <a:schemeClr val="phClr">
+                <a:tint val="98000"/>
+                <a:satMod val="130000"/>
+                <a:shade val="90000"/>
+                <a:lumMod val="103000"/>
+              </a:schemeClr>
+            </a:gs>
+            <a:gs pos="100000">
+              <a:schemeClr val="phClr">
+                <a:shade val="63000"/>
+                <a:satMod val="120000"/>
+              </a:schemeClr>
+            </a:gs>
+          </a:gsLst>
+          <a:lin ang="5400000" scaled="0"/>
+        </a:gradFill>
+      </a:bgFillStyleLst>
+    </a:fmtScheme>
+  </a:themeElements>
+  <a:objectDefaults/>
+  <a:extraClrSchemeLst/>
+  <a:extLst>
+    <a:ext uri="{05A4C25C-085E-4340-85A3-A5531E510DB2}">
+      <thm15:themeFamily xmlns:thm15="http://schemas.microsoft.com/office/thememl/2012/main" name="Office Theme" id="{62F939B6-93AF-4DB8-9C6B-D6C7DFDC589F}" vid="{4A3C46E8-61CC-4603-A589-7422A47A8E4A}"/>
+    </a:ext>
+  </a:extLst>
+</a:theme>
 </file>